--- a/spring13/slides13/bookkeeper-multinomial.pptx
+++ b/spring13/slides13/bookkeeper-multinomial.pptx
@@ -4905,16 +4905,7 @@
                 </a:solidFill>
                 <a:latin typeface="Comic Sans MS" pitchFamily="66" charset="0"/>
               </a:rPr>
-              <a:t>Bookkeeper </a:t>
-            </a:r>
-            <a:r>
-              <a:rPr lang="en-US" sz="6600" b="1" dirty="0" smtClean="0">
-                <a:solidFill>
-                  <a:schemeClr val="tx2"/>
-                </a:solidFill>
-                <a:latin typeface="Comic Sans MS" pitchFamily="66" charset="0"/>
-              </a:rPr>
-              <a:t>Rule </a:t>
+              <a:t>Bookkeeper Rule </a:t>
             </a:r>
             <a:r>
               <a:rPr lang="en-US" sz="6600" b="1" dirty="0" smtClean="0">
@@ -5706,7 +5697,7 @@
           <a:graphicData uri="http://schemas.openxmlformats.org/presentationml/2006/ole">
             <mc:AlternateContent xmlns:mc="http://schemas.openxmlformats.org/markup-compatibility/2006">
               <mc:Choice xmlns:v="urn:schemas-microsoft-com:vml" Requires="v">
-                <p:oleObj spid="_x0000_s134164" name="Equation" r:id="rId4" imgW="545760" imgH="457200" progId="Equation.3">
+                <p:oleObj spid="_x0000_s134166" name="Equation" r:id="rId4" imgW="545760" imgH="457200" progId="Equation.3">
                   <p:embed/>
                 </p:oleObj>
               </mc:Choice>
@@ -6247,7 +6238,7 @@
           <a:graphicData uri="http://schemas.openxmlformats.org/presentationml/2006/ole">
             <mc:AlternateContent xmlns:mc="http://schemas.openxmlformats.org/markup-compatibility/2006">
               <mc:Choice xmlns:v="urn:schemas-microsoft-com:vml" Requires="v">
-                <p:oleObj spid="_x0000_s135209" name="Equation" r:id="rId4" imgW="977900" imgH="266700" progId="Equation.DSMT4">
+                <p:oleObj spid="_x0000_s135212" name="Equation" r:id="rId4" imgW="977900" imgH="266700" progId="Equation.DSMT4">
                   <p:embed/>
                 </p:oleObj>
               </mc:Choice>
@@ -6317,7 +6308,7 @@
           <a:graphicData uri="http://schemas.openxmlformats.org/presentationml/2006/ole">
             <mc:AlternateContent xmlns:mc="http://schemas.openxmlformats.org/markup-compatibility/2006">
               <mc:Choice xmlns:v="urn:schemas-microsoft-com:vml" Requires="v">
-                <p:oleObj spid="_x0000_s135210" name="Equation" r:id="rId6" imgW="965200" imgH="495300" progId="Equation.DSMT4">
+                <p:oleObj spid="_x0000_s135213" name="Equation" r:id="rId6" imgW="965200" imgH="495300" progId="Equation.DSMT4">
                   <p:embed/>
                 </p:oleObj>
               </mc:Choice>
@@ -6934,7 +6925,7 @@
           <a:graphicData uri="http://schemas.openxmlformats.org/presentationml/2006/ole">
             <mc:AlternateContent xmlns:mc="http://schemas.openxmlformats.org/markup-compatibility/2006">
               <mc:Choice xmlns:v="urn:schemas-microsoft-com:vml" Requires="v">
-                <p:oleObj spid="_x0000_s137237" name="Equation" r:id="rId4" imgW="1866900" imgH="469900" progId="Equation.DSMT4">
+                <p:oleObj spid="_x0000_s137240" name="Equation" r:id="rId4" imgW="1866900" imgH="469900" progId="Equation.DSMT4">
                   <p:embed/>
                 </p:oleObj>
               </mc:Choice>
@@ -7034,7 +7025,7 @@
           <a:graphicData uri="http://schemas.openxmlformats.org/presentationml/2006/ole">
             <mc:AlternateContent xmlns:mc="http://schemas.openxmlformats.org/markup-compatibility/2006">
               <mc:Choice xmlns:v="urn:schemas-microsoft-com:vml" Requires="v">
-                <p:oleObj spid="_x0000_s137238" name="Equation" r:id="rId6" imgW="2743200" imgH="609600" progId="Equation.DSMT4">
+                <p:oleObj spid="_x0000_s137241" name="Equation" r:id="rId6" imgW="2743200" imgH="609600" progId="Equation.DSMT4">
                   <p:embed/>
                 </p:oleObj>
               </mc:Choice>
@@ -7244,7 +7235,7 @@
           <a:graphicData uri="http://schemas.openxmlformats.org/presentationml/2006/ole">
             <mc:AlternateContent xmlns:mc="http://schemas.openxmlformats.org/markup-compatibility/2006">
               <mc:Choice xmlns:v="urn:schemas-microsoft-com:vml" Requires="v">
-                <p:oleObj spid="_x0000_s144386" name="Equation" r:id="rId4" imgW="2819400" imgH="1028700" progId="Equation.DSMT4">
+                <p:oleObj spid="_x0000_s144388" name="Equation" r:id="rId4" imgW="2819400" imgH="1028700" progId="Equation.DSMT4">
                   <p:embed/>
                 </p:oleObj>
               </mc:Choice>
@@ -7384,7 +7375,7 @@
           <a:graphicData uri="http://schemas.openxmlformats.org/presentationml/2006/ole">
             <mc:AlternateContent xmlns:mc="http://schemas.openxmlformats.org/markup-compatibility/2006">
               <mc:Choice xmlns:v="urn:schemas-microsoft-com:vml" Requires="v">
-                <p:oleObj spid="_x0000_s136229" name="Equation" r:id="rId4" imgW="1968500" imgH="266700" progId="Equation.DSMT4">
+                <p:oleObj spid="_x0000_s136232" name="Equation" r:id="rId4" imgW="1968500" imgH="266700" progId="Equation.DSMT4">
                   <p:embed/>
                 </p:oleObj>
               </mc:Choice>
@@ -7670,7 +7661,7 @@
           <a:graphicData uri="http://schemas.openxmlformats.org/presentationml/2006/ole">
             <mc:AlternateContent xmlns:mc="http://schemas.openxmlformats.org/markup-compatibility/2006">
               <mc:Choice xmlns:v="urn:schemas-microsoft-com:vml" Requires="v">
-                <p:oleObj spid="_x0000_s136230" name="Equation" r:id="rId6" imgW="965200" imgH="495300" progId="Equation.DSMT4">
+                <p:oleObj spid="_x0000_s136233" name="Equation" r:id="rId6" imgW="965200" imgH="495300" progId="Equation.DSMT4">
                   <p:embed/>
                 </p:oleObj>
               </mc:Choice>
@@ -7825,7 +7816,7 @@
 </file>
 
 <file path=ppt/slides/slide16.xml><?xml version="1.0" encoding="utf-8"?>
-<p:sld xmlns:a="http://schemas.openxmlformats.org/drawingml/2006/main" xmlns:r="http://schemas.openxmlformats.org/officeDocument/2006/relationships" xmlns:p="http://schemas.openxmlformats.org/presentationml/2006/main">
+<p:sld xmlns:a="http://schemas.openxmlformats.org/drawingml/2006/main" xmlns:r="http://schemas.openxmlformats.org/officeDocument/2006/relationships" xmlns:p="http://schemas.openxmlformats.org/presentationml/2006/main" show="0">
   <p:cSld>
     <p:spTree>
       <p:nvGrpSpPr>
@@ -11978,7 +11969,7 @@
           <a:graphicData uri="http://schemas.openxmlformats.org/presentationml/2006/ole">
             <mc:AlternateContent xmlns:mc="http://schemas.openxmlformats.org/markup-compatibility/2006">
               <mc:Choice xmlns:v="urn:schemas-microsoft-com:vml" Requires="v">
-                <p:oleObj spid="_x0000_s139275" name="Equation" r:id="rId4" imgW="495300" imgH="482600" progId="Equation.DSMT4">
+                <p:oleObj spid="_x0000_s139277" name="Equation" r:id="rId4" imgW="495300" imgH="482600" progId="Equation.DSMT4">
                   <p:embed/>
                 </p:oleObj>
               </mc:Choice>
@@ -12862,7 +12853,7 @@
           <a:graphicData uri="http://schemas.openxmlformats.org/presentationml/2006/ole">
             <mc:AlternateContent xmlns:mc="http://schemas.openxmlformats.org/markup-compatibility/2006">
               <mc:Choice xmlns:v="urn:schemas-microsoft-com:vml" Requires="v">
-                <p:oleObj spid="_x0000_s140306" name="Equation" r:id="rId4" imgW="723900" imgH="533400" progId="Equation.3">
+                <p:oleObj spid="_x0000_s140309" name="Equation" r:id="rId4" imgW="723900" imgH="533400" progId="Equation.3">
                   <p:embed/>
                 </p:oleObj>
               </mc:Choice>
@@ -12932,7 +12923,7 @@
           <a:graphicData uri="http://schemas.openxmlformats.org/presentationml/2006/ole">
             <mc:AlternateContent xmlns:mc="http://schemas.openxmlformats.org/markup-compatibility/2006">
               <mc:Choice xmlns:v="urn:schemas-microsoft-com:vml" Requires="v">
-                <p:oleObj spid="_x0000_s140307" name="Equation" r:id="rId6" imgW="1130300" imgH="558800" progId="Equation.3">
+                <p:oleObj spid="_x0000_s140310" name="Equation" r:id="rId6" imgW="1130300" imgH="558800" progId="Equation.3">
                   <p:embed/>
                 </p:oleObj>
               </mc:Choice>
@@ -13444,7 +13435,7 @@
           <a:graphicData uri="http://schemas.openxmlformats.org/presentationml/2006/ole">
             <mc:AlternateContent xmlns:mc="http://schemas.openxmlformats.org/markup-compatibility/2006">
               <mc:Choice xmlns:v="urn:schemas-microsoft-com:vml" Requires="v">
-                <p:oleObj spid="_x0000_s138261" name="Equation" r:id="rId4" imgW="1384300" imgH="546100" progId="Equation.DSMT4">
+                <p:oleObj spid="_x0000_s138263" name="Equation" r:id="rId4" imgW="1384300" imgH="546100" progId="Equation.DSMT4">
                   <p:embed/>
                 </p:oleObj>
               </mc:Choice>
@@ -14795,7 +14786,7 @@
           <a:graphicData uri="http://schemas.openxmlformats.org/presentationml/2006/ole">
             <mc:AlternateContent xmlns:mc="http://schemas.openxmlformats.org/markup-compatibility/2006">
               <mc:Choice xmlns:v="urn:schemas-microsoft-com:vml" Requires="v">
-                <p:oleObj spid="_x0000_s132116" name="Equation" r:id="rId4" imgW="1028700" imgH="571500" progId="Equation.DSMT4">
+                <p:oleObj spid="_x0000_s132118" name="Equation" r:id="rId4" imgW="1028700" imgH="571500" progId="Equation.DSMT4">
                   <p:embed/>
                 </p:oleObj>
               </mc:Choice>
@@ -15188,7 +15179,7 @@
           <a:graphicData uri="http://schemas.openxmlformats.org/presentationml/2006/ole">
             <mc:AlternateContent xmlns:mc="http://schemas.openxmlformats.org/markup-compatibility/2006">
               <mc:Choice xmlns:v="urn:schemas-microsoft-com:vml" Requires="v">
-                <p:oleObj spid="_x0000_s141323" name="Equation" r:id="rId4" imgW="1955800" imgH="571500" progId="Equation.DSMT4">
+                <p:oleObj spid="_x0000_s141325" name="Equation" r:id="rId4" imgW="1955800" imgH="571500" progId="Equation.DSMT4">
                   <p:embed/>
                 </p:oleObj>
               </mc:Choice>
@@ -15436,7 +15427,7 @@
           <a:graphicData uri="http://schemas.openxmlformats.org/presentationml/2006/ole">
             <mc:AlternateContent xmlns:mc="http://schemas.openxmlformats.org/markup-compatibility/2006">
               <mc:Choice xmlns:v="urn:schemas-microsoft-com:vml" Requires="v">
-                <p:oleObj spid="_x0000_s133140" name="Equation" r:id="rId4" imgW="2082800" imgH="622300" progId="Equation.3">
+                <p:oleObj spid="_x0000_s133142" name="Equation" r:id="rId4" imgW="2082800" imgH="622300" progId="Equation.3">
                   <p:embed/>
                 </p:oleObj>
               </mc:Choice>
@@ -15545,13 +15536,13 @@
   <p:clrMapOvr>
     <a:masterClrMapping/>
   </p:clrMapOvr>
-  <mc:AlternateContent xmlns:mc="http://schemas.openxmlformats.org/markup-compatibility/2006" xmlns:p14="http://schemas.microsoft.com/office/powerpoint/2010/main">
-    <mc:Choice Requires="p14">
+  <mc:AlternateContent xmlns:mc="http://schemas.openxmlformats.org/markup-compatibility/2006">
+    <mc:Choice xmlns:p14="http://schemas.microsoft.com/office/powerpoint/2010/main" Requires="p14">
       <p:transition spd="med" p14:dur="700">
         <p:fade/>
       </p:transition>
     </mc:Choice>
-    <mc:Fallback xmlns="">
+    <mc:Fallback>
       <p:transition xmlns:p14="http://schemas.microsoft.com/office/powerpoint/2010/main" spd="med">
         <p:fade/>
       </p:transition>

--- a/spring13/slides13/bookkeeper-multinomial.pptx
+++ b/spring13/slides13/bookkeeper-multinomial.pptx
@@ -5,10 +5,10 @@
     <p:sldMasterId id="2147483650" r:id="rId1"/>
   </p:sldMasterIdLst>
   <p:notesMasterIdLst>
-    <p:notesMasterId r:id="rId19"/>
+    <p:notesMasterId r:id="rId18"/>
   </p:notesMasterIdLst>
   <p:handoutMasterIdLst>
-    <p:handoutMasterId r:id="rId20"/>
+    <p:handoutMasterId r:id="rId19"/>
   </p:handoutMasterIdLst>
   <p:sldIdLst>
     <p:sldId id="524" r:id="rId2"/>
@@ -24,15 +24,14 @@
     <p:sldId id="553" r:id="rId12"/>
     <p:sldId id="554" r:id="rId13"/>
     <p:sldId id="556" r:id="rId14"/>
-    <p:sldId id="564" r:id="rId15"/>
-    <p:sldId id="555" r:id="rId16"/>
-    <p:sldId id="558" r:id="rId17"/>
-    <p:sldId id="559" r:id="rId18"/>
+    <p:sldId id="555" r:id="rId15"/>
+    <p:sldId id="558" r:id="rId16"/>
+    <p:sldId id="559" r:id="rId17"/>
   </p:sldIdLst>
   <p:sldSz cx="9144000" cy="6858000" type="screen4x3"/>
   <p:notesSz cx="9601200" cy="7315200"/>
   <p:custDataLst>
-    <p:tags r:id="rId22"/>
+    <p:tags r:id="rId21"/>
   </p:custDataLst>
   <p:defaultTextStyle>
     <a:defPPr>
@@ -1688,7 +1687,7 @@
       </p:sp>
       <p:sp>
         <p:nvSpPr>
-          <p:cNvPr id="190466" name="Text Box 2"/>
+          <p:cNvPr id="186370" name="Text Box 2"/>
           <p:cNvSpPr txBox="1">
             <a:spLocks noGrp="1" noChangeArrowheads="1"/>
           </p:cNvSpPr>
@@ -1733,7 +1732,7 @@
       </p:sp>
       <p:sp>
         <p:nvSpPr>
-          <p:cNvPr id="190467" name="Text Box 3"/>
+          <p:cNvPr id="186371" name="Text Box 3"/>
           <p:cNvSpPr txBox="1">
             <a:spLocks noGrp="1" noChangeArrowheads="1"/>
           </p:cNvSpPr>
@@ -1771,14 +1770,14 @@
               <a:rPr lang="en-US" sz="1300">
                 <a:latin typeface="Times New Roman" pitchFamily="18" charset="0"/>
               </a:rPr>
-              <a:t>18</a:t>
+              <a:t>14</a:t>
             </a:r>
           </a:p>
         </p:txBody>
       </p:sp>
       <p:sp>
         <p:nvSpPr>
-          <p:cNvPr id="190468" name="Rectangle 4"/>
+          <p:cNvPr id="186372" name="Rectangle 4"/>
           <p:cNvSpPr>
             <a:spLocks noGrp="1" noRot="1" noChangeAspect="1" noChangeArrowheads="1" noTextEdit="1"/>
           </p:cNvSpPr>
@@ -1867,185 +1866,6 @@
       </p:sp>
       <p:sp>
         <p:nvSpPr>
-          <p:cNvPr id="186370" name="Text Box 2"/>
-          <p:cNvSpPr txBox="1">
-            <a:spLocks noGrp="1" noChangeArrowheads="1"/>
-          </p:cNvSpPr>
-          <p:nvPr/>
-        </p:nvSpPr>
-        <p:spPr bwMode="auto">
-          <a:xfrm>
-            <a:off x="5442347" y="6949924"/>
-            <a:ext cx="4158853" cy="365276"/>
-          </a:xfrm>
-          <a:prstGeom prst="rect">
-            <a:avLst/>
-          </a:prstGeom>
-          <a:noFill/>
-          <a:ln w="9525">
-            <a:noFill/>
-            <a:miter lim="800000"/>
-            <a:headEnd/>
-            <a:tailEnd/>
-          </a:ln>
-        </p:spPr>
-        <p:txBody>
-          <a:bodyPr lIns="96660" tIns="48330" rIns="96660" bIns="48330" anchor="b"/>
-          <a:lstStyle/>
-          <a:p>
-            <a:pPr algn="r" defTabSz="966788" fontAlgn="base">
-              <a:spcBef>
-                <a:spcPct val="0"/>
-              </a:spcBef>
-              <a:spcAft>
-                <a:spcPct val="0"/>
-              </a:spcAft>
-            </a:pPr>
-            <a:r>
-              <a:rPr lang="en-US" sz="1300">
-                <a:latin typeface="Times New Roman" pitchFamily="18" charset="0"/>
-              </a:rPr>
-              <a:t>‹#›</a:t>
-            </a:r>
-          </a:p>
-        </p:txBody>
-      </p:sp>
-      <p:sp>
-        <p:nvSpPr>
-          <p:cNvPr id="186371" name="Text Box 3"/>
-          <p:cNvSpPr txBox="1">
-            <a:spLocks noGrp="1" noChangeArrowheads="1"/>
-          </p:cNvSpPr>
-          <p:nvPr/>
-        </p:nvSpPr>
-        <p:spPr bwMode="auto">
-          <a:xfrm>
-            <a:off x="5442347" y="6949924"/>
-            <a:ext cx="4158853" cy="365276"/>
-          </a:xfrm>
-          <a:prstGeom prst="rect">
-            <a:avLst/>
-          </a:prstGeom>
-          <a:noFill/>
-          <a:ln w="9525">
-            <a:noFill/>
-            <a:miter lim="800000"/>
-            <a:headEnd/>
-            <a:tailEnd/>
-          </a:ln>
-        </p:spPr>
-        <p:txBody>
-          <a:bodyPr lIns="96660" tIns="48330" rIns="96660" bIns="48330" anchor="b"/>
-          <a:lstStyle/>
-          <a:p>
-            <a:pPr algn="r" defTabSz="966788" fontAlgn="base">
-              <a:spcBef>
-                <a:spcPct val="0"/>
-              </a:spcBef>
-              <a:spcAft>
-                <a:spcPct val="0"/>
-              </a:spcAft>
-            </a:pPr>
-            <a:r>
-              <a:rPr lang="en-US" sz="1300">
-                <a:latin typeface="Times New Roman" pitchFamily="18" charset="0"/>
-              </a:rPr>
-              <a:t>14</a:t>
-            </a:r>
-          </a:p>
-        </p:txBody>
-      </p:sp>
-      <p:sp>
-        <p:nvSpPr>
-          <p:cNvPr id="186372" name="Rectangle 4"/>
-          <p:cNvSpPr>
-            <a:spLocks noGrp="1" noRot="1" noChangeAspect="1" noChangeArrowheads="1" noTextEdit="1"/>
-          </p:cNvSpPr>
-          <p:nvPr>
-            <p:ph type="sldImg"/>
-          </p:nvPr>
-        </p:nvSpPr>
-        <p:spPr>
-          <a:ln/>
-        </p:spPr>
-      </p:sp>
-      <p:sp>
-        <p:nvSpPr>
-          <p:cNvPr id="7173" name="Rectangle 5"/>
-          <p:cNvSpPr>
-            <a:spLocks noGrp="1" noChangeArrowheads="1"/>
-          </p:cNvSpPr>
-          <p:nvPr>
-            <p:ph type="body" idx="1"/>
-          </p:nvPr>
-        </p:nvSpPr>
-        <p:spPr>
-          <a:noFill/>
-          <a:ln/>
-        </p:spPr>
-        <p:txBody>
-          <a:bodyPr/>
-          <a:lstStyle/>
-          <a:p>
-            <a:pPr eaLnBrk="1" hangingPunct="1"/>
-            <a:endParaRPr lang="en-US"/>
-          </a:p>
-        </p:txBody>
-      </p:sp>
-    </p:spTree>
-  </p:cSld>
-  <p:clrMapOvr>
-    <a:masterClrMapping/>
-  </p:clrMapOvr>
-</p:notes>
-</file>
-
-<file path=ppt/notesSlides/notesSlide16.xml><?xml version="1.0" encoding="utf-8"?>
-<p:notes xmlns:a="http://schemas.openxmlformats.org/drawingml/2006/main" xmlns:r="http://schemas.openxmlformats.org/officeDocument/2006/relationships" xmlns:p="http://schemas.openxmlformats.org/presentationml/2006/main">
-  <p:cSld>
-    <p:spTree>
-      <p:nvGrpSpPr>
-        <p:cNvPr id="1" name=""/>
-        <p:cNvGrpSpPr/>
-        <p:nvPr/>
-      </p:nvGrpSpPr>
-      <p:grpSpPr>
-        <a:xfrm>
-          <a:off x="0" y="0"/>
-          <a:ext cx="0" cy="0"/>
-          <a:chOff x="0" y="0"/>
-          <a:chExt cx="0" cy="0"/>
-        </a:xfrm>
-      </p:grpSpPr>
-      <p:sp>
-        <p:nvSpPr>
-          <p:cNvPr id="9" name="Rectangle 7"/>
-          <p:cNvSpPr>
-            <a:spLocks noGrp="1" noChangeArrowheads="1"/>
-          </p:cNvSpPr>
-          <p:nvPr>
-            <p:ph type="sldNum" sz="quarter" idx="5"/>
-          </p:nvPr>
-        </p:nvSpPr>
-        <p:spPr>
-          <a:ln/>
-        </p:spPr>
-        <p:txBody>
-          <a:bodyPr/>
-          <a:lstStyle/>
-          <a:p>
-            <a:pPr>
-              <a:defRPr/>
-            </a:pPr>
-            <a:r>
-              <a:rPr lang="en-US"/>
-              <a:t>‹#›</a:t>
-            </a:r>
-          </a:p>
-        </p:txBody>
-      </p:sp>
-      <p:sp>
-        <p:nvSpPr>
           <p:cNvPr id="192514" name="Text Box 2"/>
           <p:cNvSpPr txBox="1">
             <a:spLocks noGrp="1" noChangeArrowheads="1"/>
@@ -2179,7 +1999,7 @@
 </p:notes>
 </file>
 
-<file path=ppt/notesSlides/notesSlide17.xml><?xml version="1.0" encoding="utf-8"?>
+<file path=ppt/notesSlides/notesSlide16.xml><?xml version="1.0" encoding="utf-8"?>
 <p:notes xmlns:a="http://schemas.openxmlformats.org/drawingml/2006/main" xmlns:r="http://schemas.openxmlformats.org/officeDocument/2006/relationships" xmlns:p="http://schemas.openxmlformats.org/presentationml/2006/main">
   <p:cSld>
     <p:spTree>
@@ -5697,7 +5517,7 @@
           <a:graphicData uri="http://schemas.openxmlformats.org/presentationml/2006/ole">
             <mc:AlternateContent xmlns:mc="http://schemas.openxmlformats.org/markup-compatibility/2006">
               <mc:Choice xmlns:v="urn:schemas-microsoft-com:vml" Requires="v">
-                <p:oleObj spid="_x0000_s134166" name="Equation" r:id="rId4" imgW="545760" imgH="457200" progId="Equation.3">
+                <p:oleObj spid="_x0000_s134168" name="Equation" r:id="rId4" imgW="545760" imgH="457200" progId="Equation.3">
                   <p:embed/>
                 </p:oleObj>
               </mc:Choice>
@@ -6238,7 +6058,7 @@
           <a:graphicData uri="http://schemas.openxmlformats.org/presentationml/2006/ole">
             <mc:AlternateContent xmlns:mc="http://schemas.openxmlformats.org/markup-compatibility/2006">
               <mc:Choice xmlns:v="urn:schemas-microsoft-com:vml" Requires="v">
-                <p:oleObj spid="_x0000_s135212" name="Equation" r:id="rId4" imgW="977900" imgH="266700" progId="Equation.DSMT4">
+                <p:oleObj spid="_x0000_s135215" name="Equation" r:id="rId4" imgW="977900" imgH="266700" progId="Equation.DSMT4">
                   <p:embed/>
                 </p:oleObj>
               </mc:Choice>
@@ -6308,7 +6128,7 @@
           <a:graphicData uri="http://schemas.openxmlformats.org/presentationml/2006/ole">
             <mc:AlternateContent xmlns:mc="http://schemas.openxmlformats.org/markup-compatibility/2006">
               <mc:Choice xmlns:v="urn:schemas-microsoft-com:vml" Requires="v">
-                <p:oleObj spid="_x0000_s135213" name="Equation" r:id="rId6" imgW="965200" imgH="495300" progId="Equation.DSMT4">
+                <p:oleObj spid="_x0000_s135216" name="Equation" r:id="rId6" imgW="965200" imgH="495300" progId="Equation.DSMT4">
                   <p:embed/>
                 </p:oleObj>
               </mc:Choice>
@@ -6925,7 +6745,7 @@
           <a:graphicData uri="http://schemas.openxmlformats.org/presentationml/2006/ole">
             <mc:AlternateContent xmlns:mc="http://schemas.openxmlformats.org/markup-compatibility/2006">
               <mc:Choice xmlns:v="urn:schemas-microsoft-com:vml" Requires="v">
-                <p:oleObj spid="_x0000_s137240" name="Equation" r:id="rId4" imgW="1866900" imgH="469900" progId="Equation.DSMT4">
+                <p:oleObj spid="_x0000_s137243" name="Equation" r:id="rId4" imgW="1866900" imgH="469900" progId="Equation.DSMT4">
                   <p:embed/>
                 </p:oleObj>
               </mc:Choice>
@@ -7025,7 +6845,7 @@
           <a:graphicData uri="http://schemas.openxmlformats.org/presentationml/2006/ole">
             <mc:AlternateContent xmlns:mc="http://schemas.openxmlformats.org/markup-compatibility/2006">
               <mc:Choice xmlns:v="urn:schemas-microsoft-com:vml" Requires="v">
-                <p:oleObj spid="_x0000_s137241" name="Equation" r:id="rId6" imgW="2743200" imgH="609600" progId="Equation.DSMT4">
+                <p:oleObj spid="_x0000_s137244" name="Equation" r:id="rId6" imgW="2743200" imgH="609600" progId="Equation.DSMT4">
                   <p:embed/>
                 </p:oleObj>
               </mc:Choice>
@@ -7165,7 +6985,7 @@
 </file>
 
 <file path=ppt/slides/slide14.xml><?xml version="1.0" encoding="utf-8"?>
-<p:sld xmlns:a="http://schemas.openxmlformats.org/drawingml/2006/main" xmlns:r="http://schemas.openxmlformats.org/officeDocument/2006/relationships" xmlns:p="http://schemas.openxmlformats.org/presentationml/2006/main" show="0">
+<p:sld xmlns:a="http://schemas.openxmlformats.org/drawingml/2006/main" xmlns:r="http://schemas.openxmlformats.org/officeDocument/2006/relationships" xmlns:p="http://schemas.openxmlformats.org/presentationml/2006/main">
   <p:cSld>
     <p:spTree>
       <p:nvGrpSpPr>
@@ -7181,248 +7001,6 @@
           <a:chExt cx="0" cy="0"/>
         </a:xfrm>
       </p:grpSpPr>
-      <p:sp>
-        <p:nvSpPr>
-          <p:cNvPr id="13317" name="Rectangle 5"/>
-          <p:cNvSpPr>
-            <a:spLocks noGrp="1" noChangeArrowheads="1"/>
-          </p:cNvSpPr>
-          <p:nvPr>
-            <p:ph type="title" idx="4294967295"/>
-          </p:nvPr>
-        </p:nvSpPr>
-        <p:spPr>
-          <a:xfrm>
-            <a:off x="1600200" y="304800"/>
-            <a:ext cx="7543800" cy="685800"/>
-          </a:xfrm>
-        </p:spPr>
-        <p:txBody>
-          <a:bodyPr/>
-          <a:lstStyle/>
-          <a:p>
-            <a:pPr eaLnBrk="1" hangingPunct="1"/>
-            <a:r>
-              <a:rPr lang="en-US">
-                <a:solidFill>
-                  <a:schemeClr val="tx1"/>
-                </a:solidFill>
-              </a:rPr>
-              <a:t>The Multinomial Formula</a:t>
-            </a:r>
-          </a:p>
-        </p:txBody>
-      </p:sp>
-      <p:graphicFrame>
-        <p:nvGraphicFramePr>
-          <p:cNvPr id="13314" name="Object 2"/>
-          <p:cNvGraphicFramePr>
-            <a:graphicFrameLocks noChangeAspect="1"/>
-          </p:cNvGraphicFramePr>
-          <p:nvPr>
-            <p:extLst>
-              <p:ext uri="{D42A27DB-BD31-4B8C-83A1-F6EECF244321}">
-                <p14:modId xmlns:p14="http://schemas.microsoft.com/office/powerpoint/2010/main" val="1308982755"/>
-              </p:ext>
-            </p:extLst>
-          </p:nvPr>
-        </p:nvGraphicFramePr>
-        <p:xfrm>
-          <a:off x="249945" y="1844675"/>
-          <a:ext cx="8678863" cy="3170238"/>
-        </p:xfrm>
-        <a:graphic>
-          <a:graphicData uri="http://schemas.openxmlformats.org/presentationml/2006/ole">
-            <mc:AlternateContent xmlns:mc="http://schemas.openxmlformats.org/markup-compatibility/2006">
-              <mc:Choice xmlns:v="urn:schemas-microsoft-com:vml" Requires="v">
-                <p:oleObj spid="_x0000_s144388" name="Equation" r:id="rId4" imgW="2819400" imgH="1028700" progId="Equation.DSMT4">
-                  <p:embed/>
-                </p:oleObj>
-              </mc:Choice>
-              <mc:Fallback>
-                <p:oleObj name="Equation" r:id="rId4" imgW="2819400" imgH="1028700" progId="Equation.DSMT4">
-                  <p:embed/>
-                  <p:pic>
-                    <p:nvPicPr>
-                      <p:cNvPr id="0" name=""/>
-                      <p:cNvPicPr>
-                        <a:picLocks noChangeAspect="1" noChangeArrowheads="1"/>
-                      </p:cNvPicPr>
-                      <p:nvPr/>
-                    </p:nvPicPr>
-                    <p:blipFill>
-                      <a:blip r:embed="rId5"/>
-                      <a:srcRect/>
-                      <a:stretch>
-                        <a:fillRect/>
-                      </a:stretch>
-                    </p:blipFill>
-                    <p:spPr bwMode="invGray">
-                      <a:xfrm>
-                        <a:off x="249945" y="1844675"/>
-                        <a:ext cx="8678863" cy="3170238"/>
-                      </a:xfrm>
-                      <a:prstGeom prst="rect">
-                        <a:avLst/>
-                      </a:prstGeom>
-                      <a:noFill/>
-                      <a:extLst/>
-                    </p:spPr>
-                  </p:pic>
-                </p:oleObj>
-              </mc:Fallback>
-            </mc:AlternateContent>
-          </a:graphicData>
-        </a:graphic>
-      </p:graphicFrame>
-      <p:sp>
-        <p:nvSpPr>
-          <p:cNvPr id="5" name="Slide Number Placeholder 4"/>
-          <p:cNvSpPr>
-            <a:spLocks noGrp="1"/>
-          </p:cNvSpPr>
-          <p:nvPr>
-            <p:ph type="sldNum" sz="quarter" idx="10"/>
-          </p:nvPr>
-        </p:nvSpPr>
-        <p:spPr>
-          <a:xfrm>
-            <a:off x="6400800" y="6613525"/>
-            <a:ext cx="2667000" cy="261938"/>
-          </a:xfrm>
-          <a:noFill/>
-        </p:spPr>
-        <p:txBody>
-          <a:bodyPr/>
-          <a:lstStyle/>
-          <a:p>
-            <a:r>
-              <a:rPr lang="en-US" dirty="0" err="1" smtClean="0"/>
-              <a:t>lec</a:t>
-            </a:r>
-            <a:r>
-              <a:rPr lang="en-US" dirty="0" smtClean="0"/>
-              <a:t> 10W.</a:t>
-            </a:r>
-            <a:fld id="{67B4AFCC-5E15-4E97-9BE8-9E5193C2354C}" type="slidenum">
-              <a:rPr lang="en-US" smtClean="0"/>
-              <a:pPr/>
-              <a:t>14</a:t>
-            </a:fld>
-            <a:endParaRPr lang="en-US" dirty="0" smtClean="0"/>
-          </a:p>
-        </p:txBody>
-      </p:sp>
-    </p:spTree>
-    <p:extLst>
-      <p:ext uri="{BB962C8B-B14F-4D97-AF65-F5344CB8AC3E}">
-        <p14:creationId xmlns:p14="http://schemas.microsoft.com/office/powerpoint/2010/main" val="48913416"/>
-      </p:ext>
-    </p:extLst>
-  </p:cSld>
-  <p:clrMapOvr>
-    <a:masterClrMapping/>
-  </p:clrMapOvr>
-  <p:transition xmlns:p14="http://schemas.microsoft.com/office/powerpoint/2010/main">
-    <p:fade/>
-  </p:transition>
-  <p:timing>
-    <p:tnLst>
-      <p:par>
-        <p:cTn xmlns:p14="http://schemas.microsoft.com/office/powerpoint/2010/main" id="1" dur="indefinite" restart="never" nodeType="tmRoot"/>
-      </p:par>
-    </p:tnLst>
-  </p:timing>
-</p:sld>
-</file>
-
-<file path=ppt/slides/slide15.xml><?xml version="1.0" encoding="utf-8"?>
-<p:sld xmlns:a="http://schemas.openxmlformats.org/drawingml/2006/main" xmlns:r="http://schemas.openxmlformats.org/officeDocument/2006/relationships" xmlns:p="http://schemas.openxmlformats.org/presentationml/2006/main" show="0">
-  <p:cSld>
-    <p:spTree>
-      <p:nvGrpSpPr>
-        <p:cNvPr id="1" name=""/>
-        <p:cNvGrpSpPr/>
-        <p:nvPr/>
-      </p:nvGrpSpPr>
-      <p:grpSpPr>
-        <a:xfrm>
-          <a:off x="0" y="0"/>
-          <a:ext cx="0" cy="0"/>
-          <a:chOff x="0" y="0"/>
-          <a:chExt cx="0" cy="0"/>
-        </a:xfrm>
-      </p:grpSpPr>
-      <p:graphicFrame>
-        <p:nvGraphicFramePr>
-          <p:cNvPr id="590852" name="Object 4"/>
-          <p:cNvGraphicFramePr>
-            <a:graphicFrameLocks noChangeAspect="1"/>
-          </p:cNvGraphicFramePr>
-          <p:nvPr>
-            <p:extLst>
-              <p:ext uri="{D42A27DB-BD31-4B8C-83A1-F6EECF244321}">
-                <p14:modId xmlns:p14="http://schemas.microsoft.com/office/powerpoint/2010/main" val="1836029050"/>
-              </p:ext>
-            </p:extLst>
-          </p:nvPr>
-        </p:nvGraphicFramePr>
-        <p:xfrm>
-          <a:off x="428625" y="4897754"/>
-          <a:ext cx="8286750" cy="1119188"/>
-        </p:xfrm>
-        <a:graphic>
-          <a:graphicData uri="http://schemas.openxmlformats.org/presentationml/2006/ole">
-            <mc:AlternateContent xmlns:mc="http://schemas.openxmlformats.org/markup-compatibility/2006">
-              <mc:Choice xmlns:v="urn:schemas-microsoft-com:vml" Requires="v">
-                <p:oleObj spid="_x0000_s136232" name="Equation" r:id="rId4" imgW="1968500" imgH="266700" progId="Equation.DSMT4">
-                  <p:embed/>
-                </p:oleObj>
-              </mc:Choice>
-              <mc:Fallback>
-                <p:oleObj name="Equation" r:id="rId4" imgW="1968500" imgH="266700" progId="Equation.DSMT4">
-                  <p:embed/>
-                  <p:pic>
-                    <p:nvPicPr>
-                      <p:cNvPr id="0" name=""/>
-                      <p:cNvPicPr>
-                        <a:picLocks noChangeAspect="1" noChangeArrowheads="1"/>
-                      </p:cNvPicPr>
-                      <p:nvPr/>
-                    </p:nvPicPr>
-                    <p:blipFill>
-                      <a:blip r:embed="rId5"/>
-                      <a:srcRect/>
-                      <a:stretch>
-                        <a:fillRect/>
-                      </a:stretch>
-                    </p:blipFill>
-                    <p:spPr bwMode="auto">
-                      <a:xfrm>
-                        <a:off x="428625" y="4897754"/>
-                        <a:ext cx="8286750" cy="1119188"/>
-                      </a:xfrm>
-                      <a:prstGeom prst="rect">
-                        <a:avLst/>
-                      </a:prstGeom>
-                      <a:noFill/>
-                      <a:extLst>
-                        <a:ext uri="{909E8E84-426E-40dd-AFC4-6F175D3DCCD1}">
-                          <a14:hiddenFill xmlns:a14="http://schemas.microsoft.com/office/drawing/2010/main">
-                            <a:solidFill>
-                              <a:srgbClr val="FFFFFF"/>
-                            </a:solidFill>
-                          </a14:hiddenFill>
-                        </a:ext>
-                      </a:extLst>
-                    </p:spPr>
-                  </p:pic>
-                </p:oleObj>
-              </mc:Fallback>
-            </mc:AlternateContent>
-          </a:graphicData>
-        </a:graphic>
-      </p:graphicFrame>
       <p:sp>
         <p:nvSpPr>
           <p:cNvPr id="7" name="Slide Number Placeholder 4"/>
@@ -7455,7 +7033,7 @@
             <a:fld id="{67B4AFCC-5E15-4E97-9BE8-9E5193C2354C}" type="slidenum">
               <a:rPr lang="en-US" smtClean="0"/>
               <a:pPr/>
-              <a:t>15</a:t>
+              <a:t>14</a:t>
             </a:fld>
             <a:endParaRPr lang="en-US" dirty="0" smtClean="0"/>
           </a:p>
@@ -7661,12 +7239,12 @@
           <a:graphicData uri="http://schemas.openxmlformats.org/presentationml/2006/ole">
             <mc:AlternateContent xmlns:mc="http://schemas.openxmlformats.org/markup-compatibility/2006">
               <mc:Choice xmlns:v="urn:schemas-microsoft-com:vml" Requires="v">
-                <p:oleObj spid="_x0000_s136233" name="Equation" r:id="rId6" imgW="965200" imgH="495300" progId="Equation.DSMT4">
+                <p:oleObj spid="_x0000_s136235" name="Equation" r:id="rId4" imgW="965200" imgH="495300" progId="Equation.DSMT4">
                   <p:embed/>
                 </p:oleObj>
               </mc:Choice>
               <mc:Fallback>
-                <p:oleObj name="Equation" r:id="rId6" imgW="965200" imgH="495300" progId="Equation.DSMT4">
+                <p:oleObj name="Equation" r:id="rId4" imgW="965200" imgH="495300" progId="Equation.DSMT4">
                   <p:embed/>
                   <p:pic>
                     <p:nvPicPr>
@@ -7677,7 +7255,7 @@
                       <p:nvPr/>
                     </p:nvPicPr>
                     <p:blipFill>
-                      <a:blip r:embed="rId7"/>
+                      <a:blip r:embed="rId5"/>
                       <a:srcRect/>
                       <a:stretch>
                         <a:fillRect/>
@@ -7704,6 +7282,63 @@
           </a:graphicData>
         </a:graphic>
       </p:graphicFrame>
+      <p:graphicFrame>
+        <p:nvGraphicFramePr>
+          <p:cNvPr id="2" name="Object 1"/>
+          <p:cNvGraphicFramePr>
+            <a:graphicFrameLocks noChangeAspect="1"/>
+          </p:cNvGraphicFramePr>
+          <p:nvPr>
+            <p:extLst>
+              <p:ext uri="{D42A27DB-BD31-4B8C-83A1-F6EECF244321}">
+                <p14:modId xmlns:p14="http://schemas.microsoft.com/office/powerpoint/2010/main" val="741741027"/>
+              </p:ext>
+            </p:extLst>
+          </p:nvPr>
+        </p:nvGraphicFramePr>
+        <p:xfrm>
+          <a:off x="567291" y="4719563"/>
+          <a:ext cx="7901287" cy="1079679"/>
+        </p:xfrm>
+        <a:graphic>
+          <a:graphicData uri="http://schemas.openxmlformats.org/presentationml/2006/ole">
+            <mc:AlternateContent xmlns:mc="http://schemas.openxmlformats.org/markup-compatibility/2006">
+              <mc:Choice xmlns:v="urn:schemas-microsoft-com:vml" Requires="v">
+                <p:oleObj spid="_x0000_s136236" name="Equation" r:id="rId6" imgW="2044700" imgH="279400" progId="Equation.DSMT4">
+                  <p:embed/>
+                </p:oleObj>
+              </mc:Choice>
+              <mc:Fallback>
+                <p:oleObj name="Equation" r:id="rId6" imgW="2044700" imgH="279400" progId="Equation.DSMT4">
+                  <p:embed/>
+                  <p:pic>
+                    <p:nvPicPr>
+                      <p:cNvPr id="0" name=""/>
+                      <p:cNvPicPr/>
+                      <p:nvPr/>
+                    </p:nvPicPr>
+                    <p:blipFill>
+                      <a:blip r:embed="rId7"/>
+                      <a:stretch>
+                        <a:fillRect/>
+                      </a:stretch>
+                    </p:blipFill>
+                    <p:spPr>
+                      <a:xfrm>
+                        <a:off x="567291" y="4719563"/>
+                        <a:ext cx="7901287" cy="1079679"/>
+                      </a:xfrm>
+                      <a:prstGeom prst="rect">
+                        <a:avLst/>
+                      </a:prstGeom>
+                    </p:spPr>
+                  </p:pic>
+                </p:oleObj>
+              </mc:Fallback>
+            </mc:AlternateContent>
+          </a:graphicData>
+        </a:graphic>
+      </p:graphicFrame>
     </p:spTree>
     <p:extLst>
       <p:ext uri="{BB962C8B-B14F-4D97-AF65-F5344CB8AC3E}">
@@ -7714,108 +7349,20 @@
   <p:clrMapOvr>
     <a:masterClrMapping/>
   </p:clrMapOvr>
-  <mc:AlternateContent xmlns:mc="http://schemas.openxmlformats.org/markup-compatibility/2006">
-    <mc:Choice xmlns:p14="http://schemas.microsoft.com/office/powerpoint/2010/main" Requires="p14">
-      <p:transition spd="med" p14:dur="700">
-        <p:fade/>
-      </p:transition>
-    </mc:Choice>
-    <mc:Fallback>
-      <p:transition xmlns:p14="http://schemas.microsoft.com/office/powerpoint/2010/main" spd="med">
-        <p:fade/>
-      </p:transition>
-    </mc:Fallback>
-  </mc:AlternateContent>
+  <p:transition xmlns:p14="http://schemas.microsoft.com/office/powerpoint/2010/main" spd="slow" advClick="0">
+    <p:fade thruBlk="1"/>
+  </p:transition>
   <p:timing>
     <p:tnLst>
       <p:par>
-        <p:cTn xmlns:p14="http://schemas.microsoft.com/office/powerpoint/2010/main" id="1" dur="indefinite" restart="never" nodeType="tmRoot">
-          <p:childTnLst>
-            <p:seq concurrent="1" nextAc="seek">
-              <p:cTn id="2" dur="indefinite" nodeType="mainSeq">
-                <p:childTnLst>
-                  <p:par>
-                    <p:cTn id="3" fill="hold">
-                      <p:stCondLst>
-                        <p:cond delay="indefinite"/>
-                        <p:cond evt="onBegin" delay="0">
-                          <p:tn val="2"/>
-                        </p:cond>
-                      </p:stCondLst>
-                      <p:childTnLst>
-                        <p:par>
-                          <p:cTn id="4" fill="hold">
-                            <p:stCondLst>
-                              <p:cond delay="0"/>
-                            </p:stCondLst>
-                            <p:childTnLst>
-                              <p:par>
-                                <p:cTn id="5" presetID="22" presetClass="entr" presetSubtype="8" fill="hold" nodeType="afterEffect">
-                                  <p:stCondLst>
-                                    <p:cond delay="0"/>
-                                  </p:stCondLst>
-                                  <p:childTnLst>
-                                    <p:set>
-                                      <p:cBhvr>
-                                        <p:cTn id="6" dur="1" fill="hold">
-                                          <p:stCondLst>
-                                            <p:cond delay="0"/>
-                                          </p:stCondLst>
-                                        </p:cTn>
-                                        <p:tgtEl>
-                                          <p:spTgt spid="590852"/>
-                                        </p:tgtEl>
-                                        <p:attrNameLst>
-                                          <p:attrName>style.visibility</p:attrName>
-                                        </p:attrNameLst>
-                                      </p:cBhvr>
-                                      <p:to>
-                                        <p:strVal val="visible"/>
-                                      </p:to>
-                                    </p:set>
-                                    <p:animEffect transition="in" filter="wipe(left)">
-                                      <p:cBhvr>
-                                        <p:cTn id="7" dur="500"/>
-                                        <p:tgtEl>
-                                          <p:spTgt spid="590852"/>
-                                        </p:tgtEl>
-                                      </p:cBhvr>
-                                    </p:animEffect>
-                                  </p:childTnLst>
-                                </p:cTn>
-                              </p:par>
-                            </p:childTnLst>
-                          </p:cTn>
-                        </p:par>
-                      </p:childTnLst>
-                    </p:cTn>
-                  </p:par>
-                </p:childTnLst>
-              </p:cTn>
-              <p:prevCondLst>
-                <p:cond evt="onPrev" delay="0">
-                  <p:tgtEl>
-                    <p:sldTgt/>
-                  </p:tgtEl>
-                </p:cond>
-              </p:prevCondLst>
-              <p:nextCondLst>
-                <p:cond evt="onNext" delay="0">
-                  <p:tgtEl>
-                    <p:sldTgt/>
-                  </p:tgtEl>
-                </p:cond>
-              </p:nextCondLst>
-            </p:seq>
-          </p:childTnLst>
-        </p:cTn>
+        <p:cTn xmlns:p14="http://schemas.microsoft.com/office/powerpoint/2010/main" id="1" dur="indefinite" restart="never" nodeType="tmRoot"/>
       </p:par>
     </p:tnLst>
   </p:timing>
 </p:sld>
 </file>
 
-<file path=ppt/slides/slide16.xml><?xml version="1.0" encoding="utf-8"?>
+<file path=ppt/slides/slide15.xml><?xml version="1.0" encoding="utf-8"?>
 <p:sld xmlns:a="http://schemas.openxmlformats.org/drawingml/2006/main" xmlns:r="http://schemas.openxmlformats.org/officeDocument/2006/relationships" xmlns:p="http://schemas.openxmlformats.org/presentationml/2006/main" show="0">
   <p:cSld>
     <p:spTree>
@@ -11180,7 +10727,7 @@
             <a:fld id="{67B4AFCC-5E15-4E97-9BE8-9E5193C2354C}" type="slidenum">
               <a:rPr lang="en-US" smtClean="0"/>
               <a:pPr/>
-              <a:t>16</a:t>
+              <a:t>15</a:t>
             </a:fld>
             <a:endParaRPr lang="en-US" dirty="0" smtClean="0"/>
           </a:p>
@@ -11209,8 +10756,8 @@
 </p:sld>
 </file>
 
-<file path=ppt/slides/slide17.xml><?xml version="1.0" encoding="utf-8"?>
-<p:sld xmlns:a="http://schemas.openxmlformats.org/drawingml/2006/main" xmlns:r="http://schemas.openxmlformats.org/officeDocument/2006/relationships" xmlns:p="http://schemas.openxmlformats.org/presentationml/2006/main" show="0">
+<file path=ppt/slides/slide16.xml><?xml version="1.0" encoding="utf-8"?>
+<p:sld xmlns:a="http://schemas.openxmlformats.org/drawingml/2006/main" xmlns:r="http://schemas.openxmlformats.org/officeDocument/2006/relationships" xmlns:p="http://schemas.openxmlformats.org/presentationml/2006/main">
   <p:cSld>
     <p:spTree>
       <p:nvGrpSpPr>
@@ -11355,7 +10902,7 @@
             <a:fld id="{67B4AFCC-5E15-4E97-9BE8-9E5193C2354C}" type="slidenum">
               <a:rPr lang="en-US" smtClean="0"/>
               <a:pPr/>
-              <a:t>17</a:t>
+              <a:t>16</a:t>
             </a:fld>
             <a:endParaRPr lang="en-US" dirty="0" smtClean="0"/>
           </a:p>
@@ -11969,7 +11516,7 @@
           <a:graphicData uri="http://schemas.openxmlformats.org/presentationml/2006/ole">
             <mc:AlternateContent xmlns:mc="http://schemas.openxmlformats.org/markup-compatibility/2006">
               <mc:Choice xmlns:v="urn:schemas-microsoft-com:vml" Requires="v">
-                <p:oleObj spid="_x0000_s139277" name="Equation" r:id="rId4" imgW="495300" imgH="482600" progId="Equation.DSMT4">
+                <p:oleObj spid="_x0000_s139279" name="Equation" r:id="rId4" imgW="495300" imgH="482600" progId="Equation.DSMT4">
                   <p:embed/>
                 </p:oleObj>
               </mc:Choice>
@@ -12853,7 +12400,7 @@
           <a:graphicData uri="http://schemas.openxmlformats.org/presentationml/2006/ole">
             <mc:AlternateContent xmlns:mc="http://schemas.openxmlformats.org/markup-compatibility/2006">
               <mc:Choice xmlns:v="urn:schemas-microsoft-com:vml" Requires="v">
-                <p:oleObj spid="_x0000_s140309" name="Equation" r:id="rId4" imgW="723900" imgH="533400" progId="Equation.3">
+                <p:oleObj spid="_x0000_s140312" name="Equation" r:id="rId4" imgW="723900" imgH="533400" progId="Equation.3">
                   <p:embed/>
                 </p:oleObj>
               </mc:Choice>
@@ -12923,7 +12470,7 @@
           <a:graphicData uri="http://schemas.openxmlformats.org/presentationml/2006/ole">
             <mc:AlternateContent xmlns:mc="http://schemas.openxmlformats.org/markup-compatibility/2006">
               <mc:Choice xmlns:v="urn:schemas-microsoft-com:vml" Requires="v">
-                <p:oleObj spid="_x0000_s140310" name="Equation" r:id="rId6" imgW="1130300" imgH="558800" progId="Equation.3">
+                <p:oleObj spid="_x0000_s140313" name="Equation" r:id="rId6" imgW="1130300" imgH="558800" progId="Equation.3">
                   <p:embed/>
                 </p:oleObj>
               </mc:Choice>
@@ -13435,7 +12982,7 @@
           <a:graphicData uri="http://schemas.openxmlformats.org/presentationml/2006/ole">
             <mc:AlternateContent xmlns:mc="http://schemas.openxmlformats.org/markup-compatibility/2006">
               <mc:Choice xmlns:v="urn:schemas-microsoft-com:vml" Requires="v">
-                <p:oleObj spid="_x0000_s138263" name="Equation" r:id="rId4" imgW="1384300" imgH="546100" progId="Equation.DSMT4">
+                <p:oleObj spid="_x0000_s138265" name="Equation" r:id="rId4" imgW="1384300" imgH="546100" progId="Equation.DSMT4">
                   <p:embed/>
                 </p:oleObj>
               </mc:Choice>
@@ -14786,7 +14333,7 @@
           <a:graphicData uri="http://schemas.openxmlformats.org/presentationml/2006/ole">
             <mc:AlternateContent xmlns:mc="http://schemas.openxmlformats.org/markup-compatibility/2006">
               <mc:Choice xmlns:v="urn:schemas-microsoft-com:vml" Requires="v">
-                <p:oleObj spid="_x0000_s132118" name="Equation" r:id="rId4" imgW="1028700" imgH="571500" progId="Equation.DSMT4">
+                <p:oleObj spid="_x0000_s132120" name="Equation" r:id="rId4" imgW="1028700" imgH="571500" progId="Equation.DSMT4">
                   <p:embed/>
                 </p:oleObj>
               </mc:Choice>
@@ -15179,7 +14726,7 @@
           <a:graphicData uri="http://schemas.openxmlformats.org/presentationml/2006/ole">
             <mc:AlternateContent xmlns:mc="http://schemas.openxmlformats.org/markup-compatibility/2006">
               <mc:Choice xmlns:v="urn:schemas-microsoft-com:vml" Requires="v">
-                <p:oleObj spid="_x0000_s141325" name="Equation" r:id="rId4" imgW="1955800" imgH="571500" progId="Equation.DSMT4">
+                <p:oleObj spid="_x0000_s141327" name="Equation" r:id="rId4" imgW="1955800" imgH="571500" progId="Equation.DSMT4">
                   <p:embed/>
                 </p:oleObj>
               </mc:Choice>
@@ -15427,7 +14974,7 @@
           <a:graphicData uri="http://schemas.openxmlformats.org/presentationml/2006/ole">
             <mc:AlternateContent xmlns:mc="http://schemas.openxmlformats.org/markup-compatibility/2006">
               <mc:Choice xmlns:v="urn:schemas-microsoft-com:vml" Requires="v">
-                <p:oleObj spid="_x0000_s133142" name="Equation" r:id="rId4" imgW="2082800" imgH="622300" progId="Equation.3">
+                <p:oleObj spid="_x0000_s133144" name="Equation" r:id="rId4" imgW="2082800" imgH="622300" progId="Equation.3">
                   <p:embed/>
                 </p:oleObj>
               </mc:Choice>

--- a/spring13/slides13/bookkeeper-multinomial.pptx
+++ b/spring13/slides13/bookkeeper-multinomial.pptx
@@ -5,10 +5,10 @@
     <p:sldMasterId id="2147483650" r:id="rId1"/>
   </p:sldMasterIdLst>
   <p:notesMasterIdLst>
-    <p:notesMasterId r:id="rId18"/>
+    <p:notesMasterId r:id="rId19"/>
   </p:notesMasterIdLst>
   <p:handoutMasterIdLst>
-    <p:handoutMasterId r:id="rId19"/>
+    <p:handoutMasterId r:id="rId20"/>
   </p:handoutMasterIdLst>
   <p:sldIdLst>
     <p:sldId id="524" r:id="rId2"/>
@@ -22,16 +22,17 @@
     <p:sldId id="551" r:id="rId10"/>
     <p:sldId id="552" r:id="rId11"/>
     <p:sldId id="553" r:id="rId12"/>
-    <p:sldId id="554" r:id="rId13"/>
-    <p:sldId id="556" r:id="rId14"/>
-    <p:sldId id="555" r:id="rId15"/>
-    <p:sldId id="558" r:id="rId16"/>
-    <p:sldId id="559" r:id="rId17"/>
+    <p:sldId id="563" r:id="rId13"/>
+    <p:sldId id="554" r:id="rId14"/>
+    <p:sldId id="556" r:id="rId15"/>
+    <p:sldId id="555" r:id="rId16"/>
+    <p:sldId id="558" r:id="rId17"/>
+    <p:sldId id="559" r:id="rId18"/>
   </p:sldIdLst>
   <p:sldSz cx="9144000" cy="6858000" type="screen4x3"/>
   <p:notesSz cx="9601200" cy="7315200"/>
   <p:custDataLst>
-    <p:tags r:id="rId21"/>
+    <p:tags r:id="rId22"/>
   </p:custDataLst>
   <p:defaultTextStyle>
     <a:defPPr>
@@ -3472,12 +3473,8 @@
               <a:defRPr/>
             </a:pPr>
             <a:r>
-              <a:rPr lang="en-US" dirty="0" err="1" smtClean="0"/>
-              <a:t>lec</a:t>
-            </a:r>
-            <a:r>
               <a:rPr lang="en-US" dirty="0" smtClean="0"/>
-              <a:t> 10W.</a:t>
+              <a:t>bookkeeper.</a:t>
             </a:r>
             <a:fld id="{BCC17347-203B-4D69-97C4-A94B35CE4D6B}" type="slidenum">
               <a:rPr lang="en-US" smtClean="0"/>
@@ -3622,12 +3619,8 @@
               <a:defRPr/>
             </a:pPr>
             <a:r>
-              <a:rPr lang="en-US" dirty="0" err="1" smtClean="0"/>
-              <a:t>lec</a:t>
-            </a:r>
-            <a:r>
               <a:rPr lang="en-US" dirty="0" smtClean="0"/>
-              <a:t> 10W.</a:t>
+              <a:t>bookkeeper.</a:t>
             </a:r>
             <a:fld id="{9B53EF5B-175E-4241-B670-7E35F50F0E84}" type="slidenum">
               <a:rPr lang="en-US" smtClean="0"/>
@@ -3724,12 +3717,8 @@
               <a:defRPr/>
             </a:pPr>
             <a:r>
-              <a:rPr lang="en-US" dirty="0" err="1" smtClean="0"/>
-              <a:t>lec</a:t>
-            </a:r>
-            <a:r>
               <a:rPr lang="en-US" dirty="0" smtClean="0"/>
-              <a:t> 10W.</a:t>
+              <a:t>bookkeeper.</a:t>
             </a:r>
             <a:fld id="{9B53EF5B-175E-4241-B670-7E35F50F0E84}" type="slidenum">
               <a:rPr lang="en-US" smtClean="0"/>
@@ -3803,12 +3792,8 @@
               <a:defRPr/>
             </a:pPr>
             <a:r>
-              <a:rPr lang="en-US" dirty="0" err="1" smtClean="0"/>
-              <a:t>lec</a:t>
-            </a:r>
-            <a:r>
               <a:rPr lang="en-US" dirty="0" smtClean="0"/>
-              <a:t> 10W.</a:t>
+              <a:t>bookkeeper.</a:t>
             </a:r>
             <a:fld id="{9B53EF5B-175E-4241-B670-7E35F50F0E84}" type="slidenum">
               <a:rPr lang="en-US" smtClean="0"/>
@@ -4051,12 +4036,8 @@
               <a:defRPr/>
             </a:pPr>
             <a:r>
-              <a:rPr lang="en-US" dirty="0" err="1" smtClean="0"/>
-              <a:t>lec</a:t>
-            </a:r>
-            <a:r>
               <a:rPr lang="en-US" dirty="0" smtClean="0"/>
-              <a:t> 10W.</a:t>
+              <a:t>bookkeeper.</a:t>
             </a:r>
             <a:fld id="{F8B7C562-0F20-42BE-9A91-88D3363CA913}" type="slidenum">
               <a:rPr lang="en-US" smtClean="0"/>
@@ -4120,7 +4101,22 @@
                 <a:uFillTx/>
                 <a:latin typeface="Comic Sans MS" pitchFamily="66" charset="0"/>
               </a:rPr>
-              <a:t>Albert R Meyer,       April 18, 2012</a:t>
+              <a:t>Albert R Meyer,       April </a:t>
+            </a:r>
+            <a:r>
+              <a:rPr kumimoji="0" lang="en-US" sz="1200" b="0" i="0" u="none" strike="noStrike" kern="1200" cap="none" spc="0" normalizeH="0" baseline="0" noProof="0" dirty="0" smtClean="0">
+                <a:ln>
+                  <a:noFill/>
+                </a:ln>
+                <a:solidFill>
+                  <a:schemeClr val="tx1"/>
+                </a:solidFill>
+                <a:effectLst/>
+                <a:uLnTx/>
+                <a:uFillTx/>
+                <a:latin typeface="Comic Sans MS" pitchFamily="66" charset="0"/>
+              </a:rPr>
+              <a:t>22, 2013</a:t>
             </a:r>
             <a:endParaRPr kumimoji="0" lang="en-US" sz="1200" b="0" i="0" u="none" strike="noStrike" kern="1200" cap="none" spc="0" normalizeH="0" baseline="0" noProof="0" dirty="0">
               <a:ln>
@@ -4673,12 +4669,8 @@
           <a:lstStyle/>
           <a:p>
             <a:r>
-              <a:rPr lang="en-US" dirty="0" err="1" smtClean="0"/>
-              <a:t>lec</a:t>
-            </a:r>
-            <a:r>
               <a:rPr lang="en-US" dirty="0" smtClean="0"/>
-              <a:t> 10W.</a:t>
+              <a:t>bookkeeper.</a:t>
             </a:r>
             <a:fld id="{67B4AFCC-5E15-4E97-9BE8-9E5193C2354C}" type="slidenum">
               <a:rPr lang="en-US" smtClean="0"/>
@@ -5026,12 +5018,8 @@
           <a:lstStyle/>
           <a:p>
             <a:r>
-              <a:rPr lang="en-US" dirty="0" err="1" smtClean="0"/>
-              <a:t>lec</a:t>
-            </a:r>
-            <a:r>
               <a:rPr lang="en-US" dirty="0" smtClean="0"/>
-              <a:t> 10W.</a:t>
+              <a:t>bookkeeper.</a:t>
             </a:r>
             <a:fld id="{67B4AFCC-5E15-4E97-9BE8-9E5193C2354C}" type="slidenum">
               <a:rPr lang="en-US" smtClean="0"/>
@@ -5517,7 +5505,7 @@
           <a:graphicData uri="http://schemas.openxmlformats.org/presentationml/2006/ole">
             <mc:AlternateContent xmlns:mc="http://schemas.openxmlformats.org/markup-compatibility/2006">
               <mc:Choice xmlns:v="urn:schemas-microsoft-com:vml" Requires="v">
-                <p:oleObj spid="_x0000_s134168" name="Equation" r:id="rId4" imgW="545760" imgH="457200" progId="Equation.3">
+                <p:oleObj spid="_x0000_s134171" name="Equation" r:id="rId4" imgW="545760" imgH="457200" progId="Equation.3">
                   <p:embed/>
                 </p:oleObj>
               </mc:Choice>
@@ -5593,12 +5581,8 @@
           <a:lstStyle/>
           <a:p>
             <a:r>
-              <a:rPr lang="en-US" dirty="0" err="1" smtClean="0"/>
-              <a:t>lec</a:t>
-            </a:r>
-            <a:r>
               <a:rPr lang="en-US" dirty="0" smtClean="0"/>
-              <a:t> 10W.</a:t>
+              <a:t>bookkeeper.</a:t>
             </a:r>
             <a:fld id="{67B4AFCC-5E15-4E97-9BE8-9E5193C2354C}" type="slidenum">
               <a:rPr lang="en-US" smtClean="0"/>
@@ -5772,7 +5756,7 @@
           <a:p>
             <a:pPr eaLnBrk="1" hangingPunct="1"/>
             <a:r>
-              <a:rPr lang="en-US" smtClean="0">
+              <a:rPr lang="en-US" dirty="0" smtClean="0">
                 <a:solidFill>
                   <a:schemeClr val="tx1"/>
                 </a:solidFill>
@@ -5829,6 +5813,595 @@
       </p:grpSpPr>
       <p:sp>
         <p:nvSpPr>
+          <p:cNvPr id="2" name="Slide Number Placeholder 1"/>
+          <p:cNvSpPr>
+            <a:spLocks noGrp="1"/>
+          </p:cNvSpPr>
+          <p:nvPr>
+            <p:ph type="sldNum" sz="quarter" idx="10"/>
+          </p:nvPr>
+        </p:nvSpPr>
+        <p:spPr/>
+        <p:txBody>
+          <a:bodyPr/>
+          <a:lstStyle/>
+          <a:p>
+            <a:pPr>
+              <a:defRPr/>
+            </a:pPr>
+            <a:r>
+              <a:rPr lang="en-US" dirty="0" smtClean="0"/>
+              <a:t>bookkeeper.</a:t>
+            </a:r>
+            <a:fld id="{9B53EF5B-175E-4241-B670-7E35F50F0E84}" type="slidenum">
+              <a:rPr lang="en-US" smtClean="0"/>
+              <a:pPr>
+                <a:defRPr/>
+              </a:pPr>
+              <a:t>12</a:t>
+            </a:fld>
+            <a:endParaRPr lang="en-US" dirty="0"/>
+          </a:p>
+        </p:txBody>
+      </p:sp>
+      <p:sp>
+        <p:nvSpPr>
+          <p:cNvPr id="3" name="Rectangle 2"/>
+          <p:cNvSpPr/>
+          <p:nvPr/>
+        </p:nvSpPr>
+        <p:spPr>
+          <a:xfrm>
+            <a:off x="166866" y="1279357"/>
+            <a:ext cx="8853143" cy="1754327"/>
+          </a:xfrm>
+          <a:prstGeom prst="rect">
+            <a:avLst/>
+          </a:prstGeom>
+        </p:spPr>
+        <p:txBody>
+          <a:bodyPr wrap="square">
+            <a:spAutoFit/>
+          </a:bodyPr>
+          <a:lstStyle/>
+          <a:p>
+            <a:pPr eaLnBrk="0" hangingPunct="0">
+              <a:defRPr/>
+            </a:pPr>
+            <a:r>
+              <a:rPr lang="en-US" dirty="0" smtClean="0">
+                <a:latin typeface="Comic Sans MS" pitchFamily="66" charset="0"/>
+              </a:rPr>
+              <a:t>Take </a:t>
+            </a:r>
+            <a:r>
+              <a:rPr lang="en-US" dirty="0" smtClean="0">
+                <a:solidFill>
+                  <a:srgbClr val="0000FF"/>
+                </a:solidFill>
+                <a:latin typeface="Comic Sans MS" pitchFamily="66" charset="0"/>
+              </a:rPr>
+              <a:t>14</a:t>
+            </a:r>
+            <a:r>
+              <a:rPr lang="en-US" dirty="0" smtClean="0">
+                <a:latin typeface="Comic Sans MS" pitchFamily="66" charset="0"/>
+              </a:rPr>
+              <a:t> </a:t>
+            </a:r>
+            <a:r>
+              <a:rPr lang="en-US" dirty="0">
+                <a:latin typeface="Comic Sans MS" pitchFamily="66" charset="0"/>
+              </a:rPr>
+              <a:t>mile </a:t>
+            </a:r>
+            <a:r>
+              <a:rPr lang="en-US" dirty="0" smtClean="0">
+                <a:latin typeface="Comic Sans MS" pitchFamily="66" charset="0"/>
+              </a:rPr>
+              <a:t>walk including </a:t>
+            </a:r>
+            <a:r>
+              <a:rPr lang="en-US" dirty="0">
+                <a:solidFill>
+                  <a:srgbClr val="0000FF"/>
+                </a:solidFill>
+                <a:latin typeface="Comic Sans MS" pitchFamily="66" charset="0"/>
+              </a:rPr>
+              <a:t>3</a:t>
+            </a:r>
+            <a:r>
+              <a:rPr lang="en-US" dirty="0">
+                <a:latin typeface="Comic Sans MS" pitchFamily="66" charset="0"/>
+              </a:rPr>
+              <a:t> Northward miles, </a:t>
+            </a:r>
+            <a:r>
+              <a:rPr lang="en-US" dirty="0">
+                <a:solidFill>
+                  <a:srgbClr val="0000FF"/>
+                </a:solidFill>
+                <a:latin typeface="Comic Sans MS" pitchFamily="66" charset="0"/>
+              </a:rPr>
+              <a:t>4</a:t>
+            </a:r>
+            <a:r>
+              <a:rPr lang="en-US" dirty="0">
+                <a:latin typeface="Comic Sans MS" pitchFamily="66" charset="0"/>
+              </a:rPr>
+              <a:t> </a:t>
+            </a:r>
+            <a:r>
+              <a:rPr lang="en-US" dirty="0" smtClean="0">
+                <a:latin typeface="Comic Sans MS" pitchFamily="66" charset="0"/>
+              </a:rPr>
+              <a:t>Southward, </a:t>
+            </a:r>
+            <a:r>
+              <a:rPr lang="en-US" dirty="0">
+                <a:solidFill>
+                  <a:srgbClr val="0000FF"/>
+                </a:solidFill>
+                <a:latin typeface="Comic Sans MS" pitchFamily="66" charset="0"/>
+              </a:rPr>
+              <a:t>5</a:t>
+            </a:r>
+            <a:r>
+              <a:rPr lang="en-US" dirty="0">
+                <a:latin typeface="Comic Sans MS" pitchFamily="66" charset="0"/>
+              </a:rPr>
+              <a:t> Eastward </a:t>
+            </a:r>
+            <a:r>
+              <a:rPr lang="en-US" dirty="0" smtClean="0">
+                <a:latin typeface="Comic Sans MS" pitchFamily="66" charset="0"/>
+              </a:rPr>
+              <a:t>and </a:t>
+            </a:r>
+            <a:r>
+              <a:rPr lang="en-US" dirty="0">
+                <a:solidFill>
+                  <a:srgbClr val="0000FF"/>
+                </a:solidFill>
+                <a:latin typeface="Comic Sans MS" pitchFamily="66" charset="0"/>
+              </a:rPr>
+              <a:t>3</a:t>
+            </a:r>
+            <a:r>
+              <a:rPr lang="en-US" dirty="0">
+                <a:latin typeface="Comic Sans MS" pitchFamily="66" charset="0"/>
+              </a:rPr>
+              <a:t> </a:t>
+            </a:r>
+            <a:r>
+              <a:rPr lang="en-US" dirty="0" smtClean="0">
+                <a:latin typeface="Comic Sans MS" pitchFamily="66" charset="0"/>
+              </a:rPr>
+              <a:t>Westward.  How </a:t>
+            </a:r>
+            <a:r>
+              <a:rPr lang="en-US" dirty="0">
+                <a:latin typeface="Comic Sans MS" pitchFamily="66" charset="0"/>
+              </a:rPr>
+              <a:t>many different </a:t>
+            </a:r>
+            <a:r>
+              <a:rPr lang="en-US" dirty="0" smtClean="0">
+                <a:latin typeface="Comic Sans MS" pitchFamily="66" charset="0"/>
+              </a:rPr>
+              <a:t>walks?</a:t>
+            </a:r>
+            <a:endParaRPr lang="en-US" dirty="0"/>
+          </a:p>
+        </p:txBody>
+      </p:sp>
+      <p:sp>
+        <p:nvSpPr>
+          <p:cNvPr id="4" name="Rectangle 5"/>
+          <p:cNvSpPr txBox="1">
+            <a:spLocks noChangeArrowheads="1"/>
+          </p:cNvSpPr>
+          <p:nvPr/>
+        </p:nvSpPr>
+        <p:spPr bwMode="auto">
+          <a:xfrm>
+            <a:off x="1600200" y="278702"/>
+            <a:ext cx="7176300" cy="956541"/>
+          </a:xfrm>
+          <a:prstGeom prst="rect">
+            <a:avLst/>
+          </a:prstGeom>
+          <a:noFill/>
+          <a:ln w="9525">
+            <a:noFill/>
+            <a:miter lim="800000"/>
+            <a:headEnd/>
+            <a:tailEnd/>
+          </a:ln>
+        </p:spPr>
+        <p:txBody>
+          <a:bodyPr vert="horz" wrap="square" lIns="91440" tIns="45720" rIns="91440" bIns="45720" numCol="1" anchor="ctr" anchorCtr="0" compatLnSpc="1">
+            <a:prstTxWarp prst="textNoShape">
+              <a:avLst/>
+            </a:prstTxWarp>
+          </a:bodyPr>
+          <a:lstStyle>
+            <a:lvl1pPr algn="l" rtl="0" eaLnBrk="0" fontAlgn="base" hangingPunct="0">
+              <a:spcBef>
+                <a:spcPct val="0"/>
+              </a:spcBef>
+              <a:spcAft>
+                <a:spcPct val="0"/>
+              </a:spcAft>
+              <a:defRPr sz="4000" b="1">
+                <a:solidFill>
+                  <a:schemeClr val="tx2"/>
+                </a:solidFill>
+                <a:latin typeface="Comic Sans MS" pitchFamily="66" charset="0"/>
+                <a:ea typeface="+mj-ea"/>
+                <a:cs typeface="+mj-cs"/>
+              </a:defRPr>
+            </a:lvl1pPr>
+            <a:lvl2pPr algn="l" rtl="0" eaLnBrk="0" fontAlgn="base" hangingPunct="0">
+              <a:spcBef>
+                <a:spcPct val="0"/>
+              </a:spcBef>
+              <a:spcAft>
+                <a:spcPct val="0"/>
+              </a:spcAft>
+              <a:defRPr sz="4000" b="1">
+                <a:solidFill>
+                  <a:schemeClr val="tx2"/>
+                </a:solidFill>
+                <a:latin typeface="Times New Roman" pitchFamily="8" charset="0"/>
+              </a:defRPr>
+            </a:lvl2pPr>
+            <a:lvl3pPr algn="l" rtl="0" eaLnBrk="0" fontAlgn="base" hangingPunct="0">
+              <a:spcBef>
+                <a:spcPct val="0"/>
+              </a:spcBef>
+              <a:spcAft>
+                <a:spcPct val="0"/>
+              </a:spcAft>
+              <a:defRPr sz="4000" b="1">
+                <a:solidFill>
+                  <a:schemeClr val="tx2"/>
+                </a:solidFill>
+                <a:latin typeface="Times New Roman" pitchFamily="8" charset="0"/>
+              </a:defRPr>
+            </a:lvl3pPr>
+            <a:lvl4pPr algn="l" rtl="0" eaLnBrk="0" fontAlgn="base" hangingPunct="0">
+              <a:spcBef>
+                <a:spcPct val="0"/>
+              </a:spcBef>
+              <a:spcAft>
+                <a:spcPct val="0"/>
+              </a:spcAft>
+              <a:defRPr sz="4000" b="1">
+                <a:solidFill>
+                  <a:schemeClr val="tx2"/>
+                </a:solidFill>
+                <a:latin typeface="Times New Roman" pitchFamily="8" charset="0"/>
+              </a:defRPr>
+            </a:lvl4pPr>
+            <a:lvl5pPr algn="l" rtl="0" eaLnBrk="0" fontAlgn="base" hangingPunct="0">
+              <a:spcBef>
+                <a:spcPct val="0"/>
+              </a:spcBef>
+              <a:spcAft>
+                <a:spcPct val="0"/>
+              </a:spcAft>
+              <a:defRPr sz="4000" b="1">
+                <a:solidFill>
+                  <a:schemeClr val="tx2"/>
+                </a:solidFill>
+                <a:latin typeface="Times New Roman" pitchFamily="8" charset="0"/>
+              </a:defRPr>
+            </a:lvl5pPr>
+            <a:lvl6pPr marL="457200" algn="l" rtl="0" fontAlgn="base">
+              <a:spcBef>
+                <a:spcPct val="0"/>
+              </a:spcBef>
+              <a:spcAft>
+                <a:spcPct val="0"/>
+              </a:spcAft>
+              <a:defRPr sz="4000" b="1">
+                <a:solidFill>
+                  <a:schemeClr val="tx2"/>
+                </a:solidFill>
+                <a:latin typeface="Times New Roman" pitchFamily="8" charset="0"/>
+              </a:defRPr>
+            </a:lvl6pPr>
+            <a:lvl7pPr marL="914400" algn="l" rtl="0" fontAlgn="base">
+              <a:spcBef>
+                <a:spcPct val="0"/>
+              </a:spcBef>
+              <a:spcAft>
+                <a:spcPct val="0"/>
+              </a:spcAft>
+              <a:defRPr sz="4000" b="1">
+                <a:solidFill>
+                  <a:schemeClr val="tx2"/>
+                </a:solidFill>
+                <a:latin typeface="Times New Roman" pitchFamily="8" charset="0"/>
+              </a:defRPr>
+            </a:lvl7pPr>
+            <a:lvl8pPr marL="1371600" algn="l" rtl="0" fontAlgn="base">
+              <a:spcBef>
+                <a:spcPct val="0"/>
+              </a:spcBef>
+              <a:spcAft>
+                <a:spcPct val="0"/>
+              </a:spcAft>
+              <a:defRPr sz="4000" b="1">
+                <a:solidFill>
+                  <a:schemeClr val="tx2"/>
+                </a:solidFill>
+                <a:latin typeface="Times New Roman" pitchFamily="8" charset="0"/>
+              </a:defRPr>
+            </a:lvl8pPr>
+            <a:lvl9pPr marL="1828800" algn="l" rtl="0" fontAlgn="base">
+              <a:spcBef>
+                <a:spcPct val="0"/>
+              </a:spcBef>
+              <a:spcAft>
+                <a:spcPct val="0"/>
+              </a:spcAft>
+              <a:defRPr sz="4000" b="1">
+                <a:solidFill>
+                  <a:schemeClr val="tx2"/>
+                </a:solidFill>
+                <a:latin typeface="Times New Roman" pitchFamily="8" charset="0"/>
+              </a:defRPr>
+            </a:lvl9pPr>
+          </a:lstStyle>
+          <a:p>
+            <a:pPr eaLnBrk="1" hangingPunct="1"/>
+            <a:r>
+              <a:rPr lang="en-US" dirty="0" smtClean="0">
+                <a:solidFill>
+                  <a:schemeClr val="tx1"/>
+                </a:solidFill>
+              </a:rPr>
+              <a:t>multinomial coefficients</a:t>
+            </a:r>
+            <a:endParaRPr lang="en-US" dirty="0">
+              <a:solidFill>
+                <a:schemeClr val="tx1"/>
+              </a:solidFill>
+            </a:endParaRPr>
+          </a:p>
+        </p:txBody>
+      </p:sp>
+      <p:sp>
+        <p:nvSpPr>
+          <p:cNvPr id="5" name="TextBox 4"/>
+          <p:cNvSpPr txBox="1"/>
+          <p:nvPr/>
+        </p:nvSpPr>
+        <p:spPr>
+          <a:xfrm>
+            <a:off x="1190691" y="2994428"/>
+            <a:ext cx="6753973" cy="1446550"/>
+          </a:xfrm>
+          <a:prstGeom prst="rect">
+            <a:avLst/>
+          </a:prstGeom>
+          <a:noFill/>
+        </p:spPr>
+        <p:txBody>
+          <a:bodyPr wrap="square" rtlCol="0">
+            <a:spAutoFit/>
+          </a:bodyPr>
+          <a:lstStyle/>
+          <a:p>
+            <a:r>
+              <a:rPr lang="en-US" sz="4400" b="1" dirty="0" smtClean="0">
+                <a:solidFill>
+                  <a:srgbClr val="0000FF"/>
+                </a:solidFill>
+                <a:latin typeface="Euclid Symbol" charset="2"/>
+                <a:cs typeface="Euclid Symbol" charset="2"/>
+              </a:rPr>
+              <a:t>=</a:t>
+            </a:r>
+            <a:r>
+              <a:rPr lang="en-US" sz="4400" dirty="0" smtClean="0">
+                <a:solidFill>
+                  <a:srgbClr val="0000FF"/>
+                </a:solidFill>
+                <a:latin typeface="Comic Sans MS"/>
+                <a:cs typeface="Comic Sans MS"/>
+              </a:rPr>
+              <a:t> </a:t>
+            </a:r>
+            <a:r>
+              <a:rPr lang="en-US" sz="4400" dirty="0" smtClean="0">
+                <a:latin typeface="Comic Sans MS"/>
+                <a:cs typeface="Comic Sans MS"/>
+              </a:rPr>
+              <a:t>#rearrangements of </a:t>
+            </a:r>
+            <a:endParaRPr lang="en-US" sz="4400" dirty="0">
+              <a:solidFill>
+                <a:srgbClr val="0000FF"/>
+              </a:solidFill>
+              <a:latin typeface="Comic Sans MS" pitchFamily="66" charset="0"/>
+            </a:endParaRPr>
+          </a:p>
+          <a:p>
+            <a:pPr algn="ctr"/>
+            <a:r>
+              <a:rPr lang="en-US" sz="4400" dirty="0" smtClean="0">
+                <a:solidFill>
+                  <a:srgbClr val="0000FF"/>
+                </a:solidFill>
+                <a:latin typeface="Comic Sans MS" pitchFamily="66" charset="0"/>
+              </a:rPr>
+              <a:t>N</a:t>
+            </a:r>
+            <a:r>
+              <a:rPr lang="en-US" sz="4800" baseline="30000" dirty="0" smtClean="0">
+                <a:solidFill>
+                  <a:srgbClr val="0000FF"/>
+                </a:solidFill>
+                <a:latin typeface="Comic Sans MS" pitchFamily="66" charset="0"/>
+              </a:rPr>
+              <a:t>3</a:t>
+            </a:r>
+            <a:r>
+              <a:rPr lang="en-US" sz="4400" dirty="0" smtClean="0">
+                <a:solidFill>
+                  <a:srgbClr val="0000FF"/>
+                </a:solidFill>
+                <a:latin typeface="Comic Sans MS" pitchFamily="66" charset="0"/>
+              </a:rPr>
+              <a:t>S</a:t>
+            </a:r>
+            <a:r>
+              <a:rPr lang="en-US" sz="4800" baseline="30000" dirty="0" smtClean="0">
+                <a:solidFill>
+                  <a:srgbClr val="0000FF"/>
+                </a:solidFill>
+                <a:latin typeface="Comic Sans MS" pitchFamily="66" charset="0"/>
+              </a:rPr>
+              <a:t>4</a:t>
+            </a:r>
+            <a:r>
+              <a:rPr lang="en-US" sz="4400" dirty="0" smtClean="0">
+                <a:solidFill>
+                  <a:srgbClr val="0000FF"/>
+                </a:solidFill>
+                <a:latin typeface="Comic Sans MS" pitchFamily="66" charset="0"/>
+              </a:rPr>
+              <a:t>E</a:t>
+            </a:r>
+            <a:r>
+              <a:rPr lang="en-US" sz="4800" baseline="30000" dirty="0" smtClean="0">
+                <a:solidFill>
+                  <a:srgbClr val="0000FF"/>
+                </a:solidFill>
+                <a:latin typeface="Comic Sans MS" pitchFamily="66" charset="0"/>
+              </a:rPr>
+              <a:t>5</a:t>
+            </a:r>
+            <a:r>
+              <a:rPr lang="en-US" sz="4400" dirty="0" smtClean="0">
+                <a:solidFill>
+                  <a:srgbClr val="0000FF"/>
+                </a:solidFill>
+                <a:latin typeface="Comic Sans MS" pitchFamily="66" charset="0"/>
+              </a:rPr>
+              <a:t>W</a:t>
+            </a:r>
+            <a:r>
+              <a:rPr lang="en-US" sz="4800" baseline="30000" dirty="0" smtClean="0">
+                <a:solidFill>
+                  <a:srgbClr val="0000FF"/>
+                </a:solidFill>
+                <a:latin typeface="Comic Sans MS" pitchFamily="66" charset="0"/>
+              </a:rPr>
+              <a:t>2</a:t>
+            </a:r>
+            <a:endParaRPr lang="en-US" sz="4400" dirty="0">
+              <a:solidFill>
+                <a:srgbClr val="0000FF"/>
+              </a:solidFill>
+              <a:latin typeface="Comic Sans MS"/>
+              <a:cs typeface="Comic Sans MS"/>
+            </a:endParaRPr>
+          </a:p>
+        </p:txBody>
+      </p:sp>
+      <p:graphicFrame>
+        <p:nvGraphicFramePr>
+          <p:cNvPr id="6" name="Object 5"/>
+          <p:cNvGraphicFramePr>
+            <a:graphicFrameLocks noChangeAspect="1"/>
+          </p:cNvGraphicFramePr>
+          <p:nvPr>
+            <p:extLst>
+              <p:ext uri="{D42A27DB-BD31-4B8C-83A1-F6EECF244321}">
+                <p14:modId xmlns:p14="http://schemas.microsoft.com/office/powerpoint/2010/main" val="3382238154"/>
+              </p:ext>
+            </p:extLst>
+          </p:nvPr>
+        </p:nvGraphicFramePr>
+        <p:xfrm>
+          <a:off x="2830513" y="4310445"/>
+          <a:ext cx="3009781" cy="2038692"/>
+        </p:xfrm>
+        <a:graphic>
+          <a:graphicData uri="http://schemas.openxmlformats.org/presentationml/2006/ole">
+            <mc:AlternateContent xmlns:mc="http://schemas.openxmlformats.org/markup-compatibility/2006">
+              <mc:Choice xmlns:v="urn:schemas-microsoft-com:vml" Requires="v">
+                <p:oleObj spid="_x0000_s1025" name="Equation" r:id="rId3" imgW="787400" imgH="533400" progId="Equation.DSMT4">
+                  <p:embed/>
+                </p:oleObj>
+              </mc:Choice>
+              <mc:Fallback>
+                <p:oleObj name="Equation" r:id="rId3" imgW="787400" imgH="533400" progId="Equation.DSMT4">
+                  <p:embed/>
+                  <p:pic>
+                    <p:nvPicPr>
+                      <p:cNvPr id="0" name=""/>
+                      <p:cNvPicPr/>
+                      <p:nvPr/>
+                    </p:nvPicPr>
+                    <p:blipFill>
+                      <a:blip r:embed="rId4"/>
+                      <a:stretch>
+                        <a:fillRect/>
+                      </a:stretch>
+                    </p:blipFill>
+                    <p:spPr>
+                      <a:xfrm>
+                        <a:off x="2830513" y="4310445"/>
+                        <a:ext cx="3009781" cy="2038692"/>
+                      </a:xfrm>
+                      <a:prstGeom prst="rect">
+                        <a:avLst/>
+                      </a:prstGeom>
+                    </p:spPr>
+                  </p:pic>
+                </p:oleObj>
+              </mc:Fallback>
+            </mc:AlternateContent>
+          </a:graphicData>
+        </a:graphic>
+      </p:graphicFrame>
+    </p:spTree>
+    <p:extLst>
+      <p:ext uri="{BB962C8B-B14F-4D97-AF65-F5344CB8AC3E}">
+        <p14:creationId xmlns:p14="http://schemas.microsoft.com/office/powerpoint/2010/main" val="1221160412"/>
+      </p:ext>
+    </p:extLst>
+  </p:cSld>
+  <p:clrMapOvr>
+    <a:masterClrMapping/>
+  </p:clrMapOvr>
+</p:sld>
+</file>
+
+<file path=ppt/slides/slide13.xml><?xml version="1.0" encoding="utf-8"?>
+<p:sld xmlns:a="http://schemas.openxmlformats.org/drawingml/2006/main" xmlns:r="http://schemas.openxmlformats.org/officeDocument/2006/relationships" xmlns:p="http://schemas.openxmlformats.org/presentationml/2006/main">
+  <p:cSld>
+    <p:spTree>
+      <p:nvGrpSpPr>
+        <p:cNvPr id="1" name=""/>
+        <p:cNvGrpSpPr/>
+        <p:nvPr/>
+      </p:nvGrpSpPr>
+      <p:grpSpPr>
+        <a:xfrm>
+          <a:off x="0" y="0"/>
+          <a:ext cx="0" cy="0"/>
+          <a:chOff x="0" y="0"/>
+          <a:chExt cx="0" cy="0"/>
+        </a:xfrm>
+      </p:grpSpPr>
+      <p:sp>
+        <p:nvSpPr>
           <p:cNvPr id="589826" name="Rectangle 2"/>
           <p:cNvSpPr>
             <a:spLocks noChangeArrowheads="1"/>
@@ -6058,7 +6631,7 @@
           <a:graphicData uri="http://schemas.openxmlformats.org/presentationml/2006/ole">
             <mc:AlternateContent xmlns:mc="http://schemas.openxmlformats.org/markup-compatibility/2006">
               <mc:Choice xmlns:v="urn:schemas-microsoft-com:vml" Requires="v">
-                <p:oleObj spid="_x0000_s135215" name="Equation" r:id="rId4" imgW="977900" imgH="266700" progId="Equation.DSMT4">
+                <p:oleObj spid="_x0000_s135220" name="Equation" r:id="rId4" imgW="977900" imgH="266700" progId="Equation.DSMT4">
                   <p:embed/>
                 </p:oleObj>
               </mc:Choice>
@@ -6128,7 +6701,7 @@
           <a:graphicData uri="http://schemas.openxmlformats.org/presentationml/2006/ole">
             <mc:AlternateContent xmlns:mc="http://schemas.openxmlformats.org/markup-compatibility/2006">
               <mc:Choice xmlns:v="urn:schemas-microsoft-com:vml" Requires="v">
-                <p:oleObj spid="_x0000_s135216" name="Equation" r:id="rId6" imgW="965200" imgH="495300" progId="Equation.DSMT4">
+                <p:oleObj spid="_x0000_s135221" name="Equation" r:id="rId6" imgW="965200" imgH="495300" progId="Equation.DSMT4">
                   <p:embed/>
                 </p:oleObj>
               </mc:Choice>
@@ -6193,17 +6766,13 @@
           <a:lstStyle/>
           <a:p>
             <a:r>
-              <a:rPr lang="en-US" dirty="0" err="1" smtClean="0"/>
-              <a:t>lec</a:t>
-            </a:r>
-            <a:r>
               <a:rPr lang="en-US" dirty="0" smtClean="0"/>
-              <a:t> 10W.</a:t>
+              <a:t>bookkeeper.</a:t>
             </a:r>
             <a:fld id="{67B4AFCC-5E15-4E97-9BE8-9E5193C2354C}" type="slidenum">
               <a:rPr lang="en-US" smtClean="0"/>
               <a:pPr/>
-              <a:t>12</a:t>
+              <a:t>13</a:t>
             </a:fld>
             <a:endParaRPr lang="en-US" dirty="0" smtClean="0"/>
           </a:p>
@@ -6674,7 +7243,7 @@
 </p:sld>
 </file>
 
-<file path=ppt/slides/slide13.xml><?xml version="1.0" encoding="utf-8"?>
+<file path=ppt/slides/slide14.xml><?xml version="1.0" encoding="utf-8"?>
 <p:sld xmlns:a="http://schemas.openxmlformats.org/drawingml/2006/main" xmlns:r="http://schemas.openxmlformats.org/officeDocument/2006/relationships" xmlns:p="http://schemas.openxmlformats.org/presentationml/2006/main">
   <p:cSld>
     <p:spTree>
@@ -6745,7 +7314,7 @@
           <a:graphicData uri="http://schemas.openxmlformats.org/presentationml/2006/ole">
             <mc:AlternateContent xmlns:mc="http://schemas.openxmlformats.org/markup-compatibility/2006">
               <mc:Choice xmlns:v="urn:schemas-microsoft-com:vml" Requires="v">
-                <p:oleObj spid="_x0000_s137243" name="Equation" r:id="rId4" imgW="1866900" imgH="469900" progId="Equation.DSMT4">
+                <p:oleObj spid="_x0000_s137248" name="Equation" r:id="rId4" imgW="1866900" imgH="469900" progId="Equation.DSMT4">
                   <p:embed/>
                 </p:oleObj>
               </mc:Choice>
@@ -6807,17 +7376,13 @@
           <a:lstStyle/>
           <a:p>
             <a:r>
-              <a:rPr lang="en-US" dirty="0" err="1" smtClean="0"/>
-              <a:t>lec</a:t>
-            </a:r>
-            <a:r>
               <a:rPr lang="en-US" dirty="0" smtClean="0"/>
-              <a:t> 10W.</a:t>
+              <a:t>bookkeeper.</a:t>
             </a:r>
             <a:fld id="{67B4AFCC-5E15-4E97-9BE8-9E5193C2354C}" type="slidenum">
               <a:rPr lang="en-US" smtClean="0"/>
               <a:pPr/>
-              <a:t>13</a:t>
+              <a:t>14</a:t>
             </a:fld>
             <a:endParaRPr lang="en-US" dirty="0" smtClean="0"/>
           </a:p>
@@ -6845,7 +7410,7 @@
           <a:graphicData uri="http://schemas.openxmlformats.org/presentationml/2006/ole">
             <mc:AlternateContent xmlns:mc="http://schemas.openxmlformats.org/markup-compatibility/2006">
               <mc:Choice xmlns:v="urn:schemas-microsoft-com:vml" Requires="v">
-                <p:oleObj spid="_x0000_s137244" name="Equation" r:id="rId6" imgW="2743200" imgH="609600" progId="Equation.DSMT4">
+                <p:oleObj spid="_x0000_s137249" name="Equation" r:id="rId6" imgW="2743200" imgH="609600" progId="Equation.DSMT4">
                   <p:embed/>
                 </p:oleObj>
               </mc:Choice>
@@ -6984,7 +7549,7 @@
 </p:sld>
 </file>
 
-<file path=ppt/slides/slide14.xml><?xml version="1.0" encoding="utf-8"?>
+<file path=ppt/slides/slide15.xml><?xml version="1.0" encoding="utf-8"?>
 <p:sld xmlns:a="http://schemas.openxmlformats.org/drawingml/2006/main" xmlns:r="http://schemas.openxmlformats.org/officeDocument/2006/relationships" xmlns:p="http://schemas.openxmlformats.org/presentationml/2006/main">
   <p:cSld>
     <p:spTree>
@@ -7023,17 +7588,13 @@
           <a:lstStyle/>
           <a:p>
             <a:r>
-              <a:rPr lang="en-US" dirty="0" err="1" smtClean="0"/>
-              <a:t>lec</a:t>
-            </a:r>
-            <a:r>
               <a:rPr lang="en-US" dirty="0" smtClean="0"/>
-              <a:t> 10W.</a:t>
+              <a:t>bookkeeper.</a:t>
             </a:r>
             <a:fld id="{67B4AFCC-5E15-4E97-9BE8-9E5193C2354C}" type="slidenum">
               <a:rPr lang="en-US" smtClean="0"/>
               <a:pPr/>
-              <a:t>14</a:t>
+              <a:t>15</a:t>
             </a:fld>
             <a:endParaRPr lang="en-US" dirty="0" smtClean="0"/>
           </a:p>
@@ -7239,7 +7800,7 @@
           <a:graphicData uri="http://schemas.openxmlformats.org/presentationml/2006/ole">
             <mc:AlternateContent xmlns:mc="http://schemas.openxmlformats.org/markup-compatibility/2006">
               <mc:Choice xmlns:v="urn:schemas-microsoft-com:vml" Requires="v">
-                <p:oleObj spid="_x0000_s136235" name="Equation" r:id="rId4" imgW="965200" imgH="495300" progId="Equation.DSMT4">
+                <p:oleObj spid="_x0000_s136240" name="Equation" r:id="rId4" imgW="965200" imgH="495300" progId="Equation.DSMT4">
                   <p:embed/>
                 </p:oleObj>
               </mc:Choice>
@@ -7304,7 +7865,7 @@
           <a:graphicData uri="http://schemas.openxmlformats.org/presentationml/2006/ole">
             <mc:AlternateContent xmlns:mc="http://schemas.openxmlformats.org/markup-compatibility/2006">
               <mc:Choice xmlns:v="urn:schemas-microsoft-com:vml" Requires="v">
-                <p:oleObj spid="_x0000_s136236" name="Equation" r:id="rId6" imgW="2044700" imgH="279400" progId="Equation.DSMT4">
+                <p:oleObj spid="_x0000_s136241" name="Equation" r:id="rId6" imgW="2044700" imgH="279400" progId="Equation.DSMT4">
                   <p:embed/>
                 </p:oleObj>
               </mc:Choice>
@@ -7362,7 +7923,7 @@
 </p:sld>
 </file>
 
-<file path=ppt/slides/slide15.xml><?xml version="1.0" encoding="utf-8"?>
+<file path=ppt/slides/slide16.xml><?xml version="1.0" encoding="utf-8"?>
 <p:sld xmlns:a="http://schemas.openxmlformats.org/drawingml/2006/main" xmlns:r="http://schemas.openxmlformats.org/officeDocument/2006/relationships" xmlns:p="http://schemas.openxmlformats.org/presentationml/2006/main" show="0">
   <p:cSld>
     <p:spTree>
@@ -10717,17 +11278,13 @@
           <a:lstStyle/>
           <a:p>
             <a:r>
-              <a:rPr lang="en-US" dirty="0" err="1" smtClean="0"/>
-              <a:t>lec</a:t>
-            </a:r>
-            <a:r>
               <a:rPr lang="en-US" dirty="0" smtClean="0"/>
-              <a:t> 10W.</a:t>
+              <a:t>bookkeeper.</a:t>
             </a:r>
             <a:fld id="{67B4AFCC-5E15-4E97-9BE8-9E5193C2354C}" type="slidenum">
               <a:rPr lang="en-US" smtClean="0"/>
               <a:pPr/>
-              <a:t>15</a:t>
+              <a:t>16</a:t>
             </a:fld>
             <a:endParaRPr lang="en-US" dirty="0" smtClean="0"/>
           </a:p>
@@ -10756,7 +11313,7 @@
 </p:sld>
 </file>
 
-<file path=ppt/slides/slide16.xml><?xml version="1.0" encoding="utf-8"?>
+<file path=ppt/slides/slide17.xml><?xml version="1.0" encoding="utf-8"?>
 <p:sld xmlns:a="http://schemas.openxmlformats.org/drawingml/2006/main" xmlns:r="http://schemas.openxmlformats.org/officeDocument/2006/relationships" xmlns:p="http://schemas.openxmlformats.org/presentationml/2006/main">
   <p:cSld>
     <p:spTree>
@@ -10892,17 +11449,13 @@
           <a:lstStyle/>
           <a:p>
             <a:r>
-              <a:rPr lang="en-US" dirty="0" err="1" smtClean="0"/>
-              <a:t>lec</a:t>
-            </a:r>
-            <a:r>
               <a:rPr lang="en-US" dirty="0" smtClean="0"/>
-              <a:t> 10W.</a:t>
+              <a:t>bookkeeper.</a:t>
             </a:r>
             <a:fld id="{67B4AFCC-5E15-4E97-9BE8-9E5193C2354C}" type="slidenum">
               <a:rPr lang="en-US" smtClean="0"/>
               <a:pPr/>
-              <a:t>16</a:t>
+              <a:t>17</a:t>
             </a:fld>
             <a:endParaRPr lang="en-US" dirty="0" smtClean="0"/>
           </a:p>
@@ -11448,12 +12001,8 @@
               <a:defRPr/>
             </a:pPr>
             <a:r>
-              <a:rPr lang="en-US" dirty="0" err="1" smtClean="0"/>
-              <a:t>lec</a:t>
-            </a:r>
-            <a:r>
               <a:rPr lang="en-US" dirty="0" smtClean="0"/>
-              <a:t> 10W.</a:t>
+              <a:t>bookkeeper.</a:t>
             </a:r>
             <a:fld id="{2B54D3A3-7076-4E41-BC8B-85C6A2A80614}" type="slidenum">
               <a:rPr lang="en-US" smtClean="0"/>
@@ -11516,7 +12065,7 @@
           <a:graphicData uri="http://schemas.openxmlformats.org/presentationml/2006/ole">
             <mc:AlternateContent xmlns:mc="http://schemas.openxmlformats.org/markup-compatibility/2006">
               <mc:Choice xmlns:v="urn:schemas-microsoft-com:vml" Requires="v">
-                <p:oleObj spid="_x0000_s139279" name="Equation" r:id="rId4" imgW="495300" imgH="482600" progId="Equation.DSMT4">
+                <p:oleObj spid="_x0000_s139282" name="Equation" r:id="rId4" imgW="495300" imgH="482600" progId="Equation.DSMT4">
                   <p:embed/>
                 </p:oleObj>
               </mc:Choice>
@@ -12360,12 +12909,8 @@
               <a:defRPr/>
             </a:pPr>
             <a:r>
-              <a:rPr lang="en-US" dirty="0" err="1" smtClean="0"/>
-              <a:t>lec</a:t>
-            </a:r>
-            <a:r>
               <a:rPr lang="en-US" dirty="0" smtClean="0"/>
-              <a:t> 10W.</a:t>
+              <a:t>bookkeeper.</a:t>
             </a:r>
             <a:fld id="{2B54D3A3-7076-4E41-BC8B-85C6A2A80614}" type="slidenum">
               <a:rPr lang="en-US" smtClean="0"/>
@@ -12400,7 +12945,7 @@
           <a:graphicData uri="http://schemas.openxmlformats.org/presentationml/2006/ole">
             <mc:AlternateContent xmlns:mc="http://schemas.openxmlformats.org/markup-compatibility/2006">
               <mc:Choice xmlns:v="urn:schemas-microsoft-com:vml" Requires="v">
-                <p:oleObj spid="_x0000_s140312" name="Equation" r:id="rId4" imgW="723900" imgH="533400" progId="Equation.3">
+                <p:oleObj spid="_x0000_s140317" name="Equation" r:id="rId4" imgW="723900" imgH="533400" progId="Equation.3">
                   <p:embed/>
                 </p:oleObj>
               </mc:Choice>
@@ -12470,7 +13015,7 @@
           <a:graphicData uri="http://schemas.openxmlformats.org/presentationml/2006/ole">
             <mc:AlternateContent xmlns:mc="http://schemas.openxmlformats.org/markup-compatibility/2006">
               <mc:Choice xmlns:v="urn:schemas-microsoft-com:vml" Requires="v">
-                <p:oleObj spid="_x0000_s140313" name="Equation" r:id="rId6" imgW="1130300" imgH="558800" progId="Equation.3">
+                <p:oleObj spid="_x0000_s140318" name="Equation" r:id="rId6" imgW="1130300" imgH="558800" progId="Equation.3">
                   <p:embed/>
                 </p:oleObj>
               </mc:Choice>
@@ -12982,7 +13527,7 @@
           <a:graphicData uri="http://schemas.openxmlformats.org/presentationml/2006/ole">
             <mc:AlternateContent xmlns:mc="http://schemas.openxmlformats.org/markup-compatibility/2006">
               <mc:Choice xmlns:v="urn:schemas-microsoft-com:vml" Requires="v">
-                <p:oleObj spid="_x0000_s138265" name="Equation" r:id="rId4" imgW="1384300" imgH="546100" progId="Equation.DSMT4">
+                <p:oleObj spid="_x0000_s138268" name="Equation" r:id="rId4" imgW="1384300" imgH="546100" progId="Equation.DSMT4">
                   <p:embed/>
                 </p:oleObj>
               </mc:Choice>
@@ -13111,12 +13656,8 @@
           <a:lstStyle/>
           <a:p>
             <a:r>
-              <a:rPr lang="en-US" dirty="0" err="1" smtClean="0"/>
-              <a:t>lec</a:t>
-            </a:r>
-            <a:r>
               <a:rPr lang="en-US" dirty="0" smtClean="0"/>
-              <a:t> 10W.</a:t>
+              <a:t>bookkeeper.</a:t>
             </a:r>
             <a:fld id="{67B4AFCC-5E15-4E97-9BE8-9E5193C2354C}" type="slidenum">
               <a:rPr lang="en-US" smtClean="0"/>
@@ -13472,12 +14013,8 @@
           <a:lstStyle/>
           <a:p>
             <a:r>
-              <a:rPr lang="en-US" dirty="0" err="1" smtClean="0"/>
-              <a:t>lec</a:t>
-            </a:r>
-            <a:r>
               <a:rPr lang="en-US" dirty="0" smtClean="0"/>
-              <a:t> 10W.</a:t>
+              <a:t>bookkeeper.</a:t>
             </a:r>
             <a:fld id="{67B4AFCC-5E15-4E97-9BE8-9E5193C2354C}" type="slidenum">
               <a:rPr lang="en-US" smtClean="0"/>
@@ -13928,12 +14465,8 @@
           <a:lstStyle/>
           <a:p>
             <a:r>
-              <a:rPr lang="en-US" dirty="0" err="1" smtClean="0"/>
-              <a:t>lec</a:t>
-            </a:r>
-            <a:r>
               <a:rPr lang="en-US" dirty="0" smtClean="0"/>
-              <a:t> 10W.</a:t>
+              <a:t>bookkeeper.</a:t>
             </a:r>
             <a:fld id="{67B4AFCC-5E15-4E97-9BE8-9E5193C2354C}" type="slidenum">
               <a:rPr lang="en-US" smtClean="0"/>
@@ -14333,7 +14866,7 @@
           <a:graphicData uri="http://schemas.openxmlformats.org/presentationml/2006/ole">
             <mc:AlternateContent xmlns:mc="http://schemas.openxmlformats.org/markup-compatibility/2006">
               <mc:Choice xmlns:v="urn:schemas-microsoft-com:vml" Requires="v">
-                <p:oleObj spid="_x0000_s132120" name="Equation" r:id="rId4" imgW="1028700" imgH="571500" progId="Equation.DSMT4">
+                <p:oleObj spid="_x0000_s132123" name="Equation" r:id="rId4" imgW="1028700" imgH="571500" progId="Equation.DSMT4">
                   <p:embed/>
                 </p:oleObj>
               </mc:Choice>
@@ -14395,12 +14928,8 @@
           <a:lstStyle/>
           <a:p>
             <a:r>
-              <a:rPr lang="en-US" dirty="0" err="1" smtClean="0"/>
-              <a:t>lec</a:t>
-            </a:r>
-            <a:r>
               <a:rPr lang="en-US" dirty="0" smtClean="0"/>
-              <a:t> 10W.</a:t>
+              <a:t>bookkeeper.</a:t>
             </a:r>
             <a:fld id="{67B4AFCC-5E15-4E97-9BE8-9E5193C2354C}" type="slidenum">
               <a:rPr lang="en-US" smtClean="0"/>
@@ -14726,7 +15255,7 @@
           <a:graphicData uri="http://schemas.openxmlformats.org/presentationml/2006/ole">
             <mc:AlternateContent xmlns:mc="http://schemas.openxmlformats.org/markup-compatibility/2006">
               <mc:Choice xmlns:v="urn:schemas-microsoft-com:vml" Requires="v">
-                <p:oleObj spid="_x0000_s141327" name="Equation" r:id="rId4" imgW="1955800" imgH="571500" progId="Equation.DSMT4">
+                <p:oleObj spid="_x0000_s141330" name="Equation" r:id="rId4" imgW="1955800" imgH="571500" progId="Equation.DSMT4">
                   <p:embed/>
                 </p:oleObj>
               </mc:Choice>
@@ -14788,12 +15317,8 @@
           <a:lstStyle/>
           <a:p>
             <a:r>
-              <a:rPr lang="en-US" dirty="0" err="1" smtClean="0"/>
-              <a:t>lec</a:t>
-            </a:r>
-            <a:r>
               <a:rPr lang="en-US" dirty="0" smtClean="0"/>
-              <a:t> 10W.</a:t>
+              <a:t>bookkeeper.</a:t>
             </a:r>
             <a:fld id="{67B4AFCC-5E15-4E97-9BE8-9E5193C2354C}" type="slidenum">
               <a:rPr lang="en-US" smtClean="0"/>
@@ -14974,7 +15499,7 @@
           <a:graphicData uri="http://schemas.openxmlformats.org/presentationml/2006/ole">
             <mc:AlternateContent xmlns:mc="http://schemas.openxmlformats.org/markup-compatibility/2006">
               <mc:Choice xmlns:v="urn:schemas-microsoft-com:vml" Requires="v">
-                <p:oleObj spid="_x0000_s133144" name="Equation" r:id="rId4" imgW="2082800" imgH="622300" progId="Equation.3">
+                <p:oleObj spid="_x0000_s133147" name="Equation" r:id="rId4" imgW="2082800" imgH="622300" progId="Equation.3">
                   <p:embed/>
                 </p:oleObj>
               </mc:Choice>
@@ -15057,12 +15582,8 @@
           <a:lstStyle/>
           <a:p>
             <a:r>
-              <a:rPr lang="en-US" dirty="0" err="1" smtClean="0"/>
-              <a:t>lec</a:t>
-            </a:r>
-            <a:r>
               <a:rPr lang="en-US" dirty="0" smtClean="0"/>
-              <a:t> 10W.</a:t>
+              <a:t>bookkeeper.</a:t>
             </a:r>
             <a:fld id="{67B4AFCC-5E15-4E97-9BE8-9E5193C2354C}" type="slidenum">
               <a:rPr lang="en-US" smtClean="0"/>
